--- a/Presentaciones/Proceso de Cajas chicas.pptx
+++ b/Presentaciones/Proceso de Cajas chicas.pptx
@@ -4,12 +4,20 @@
   <p:sldMasterIdLst>
     <p:sldMasterId id="2147483660" r:id="rId1"/>
   </p:sldMasterIdLst>
+  <p:notesMasterIdLst>
+    <p:notesMasterId r:id="rId12"/>
+  </p:notesMasterIdLst>
   <p:sldIdLst>
-    <p:sldId id="256" r:id="rId2"/>
-    <p:sldId id="257" r:id="rId3"/>
-    <p:sldId id="258" r:id="rId4"/>
-    <p:sldId id="259" r:id="rId5"/>
-    <p:sldId id="260" r:id="rId6"/>
+    <p:sldId id="264" r:id="rId2"/>
+    <p:sldId id="265" r:id="rId3"/>
+    <p:sldId id="256" r:id="rId4"/>
+    <p:sldId id="257" r:id="rId5"/>
+    <p:sldId id="258" r:id="rId6"/>
+    <p:sldId id="262" r:id="rId7"/>
+    <p:sldId id="261" r:id="rId8"/>
+    <p:sldId id="263" r:id="rId9"/>
+    <p:sldId id="260" r:id="rId10"/>
+    <p:sldId id="259" r:id="rId11"/>
   </p:sldIdLst>
   <p:sldSz cx="9144000" cy="6858000" type="screen4x3"/>
   <p:notesSz cx="6858000" cy="9144000"/>
@@ -111,6 +119,440 @@
 </p:presentation>
 </file>
 
+<file path=ppt/notesMasters/notesMaster1.xml><?xml version="1.0" encoding="utf-8"?>
+<p:notesMaster xmlns:a="http://schemas.openxmlformats.org/drawingml/2006/main" xmlns:r="http://schemas.openxmlformats.org/officeDocument/2006/relationships" xmlns:p="http://schemas.openxmlformats.org/presentationml/2006/main">
+  <p:cSld>
+    <p:bg>
+      <p:bgRef idx="1001">
+        <a:schemeClr val="bg1"/>
+      </p:bgRef>
+    </p:bg>
+    <p:spTree>
+      <p:nvGrpSpPr>
+        <p:cNvPr id="1" name=""/>
+        <p:cNvGrpSpPr/>
+        <p:nvPr/>
+      </p:nvGrpSpPr>
+      <p:grpSpPr>
+        <a:xfrm>
+          <a:off x="0" y="0"/>
+          <a:ext cx="0" cy="0"/>
+          <a:chOff x="0" y="0"/>
+          <a:chExt cx="0" cy="0"/>
+        </a:xfrm>
+      </p:grpSpPr>
+      <p:sp>
+        <p:nvSpPr>
+          <p:cNvPr id="2" name="1 Marcador de encabezado"/>
+          <p:cNvSpPr>
+            <a:spLocks noGrp="1"/>
+          </p:cNvSpPr>
+          <p:nvPr>
+            <p:ph type="hdr" sz="quarter"/>
+          </p:nvPr>
+        </p:nvSpPr>
+        <p:spPr>
+          <a:xfrm>
+            <a:off x="0" y="0"/>
+            <a:ext cx="2971800" cy="457200"/>
+          </a:xfrm>
+          <a:prstGeom prst="rect">
+            <a:avLst/>
+          </a:prstGeom>
+        </p:spPr>
+        <p:txBody>
+          <a:bodyPr vert="horz" lIns="91440" tIns="45720" rIns="91440" bIns="45720" rtlCol="0"/>
+          <a:lstStyle>
+            <a:lvl1pPr algn="l">
+              <a:defRPr sz="1200"/>
+            </a:lvl1pPr>
+          </a:lstStyle>
+          <a:p>
+            <a:endParaRPr lang="es-PE"/>
+          </a:p>
+        </p:txBody>
+      </p:sp>
+      <p:sp>
+        <p:nvSpPr>
+          <p:cNvPr id="3" name="2 Marcador de fecha"/>
+          <p:cNvSpPr>
+            <a:spLocks noGrp="1"/>
+          </p:cNvSpPr>
+          <p:nvPr>
+            <p:ph type="dt" idx="1"/>
+          </p:nvPr>
+        </p:nvSpPr>
+        <p:spPr>
+          <a:xfrm>
+            <a:off x="3884613" y="0"/>
+            <a:ext cx="2971800" cy="457200"/>
+          </a:xfrm>
+          <a:prstGeom prst="rect">
+            <a:avLst/>
+          </a:prstGeom>
+        </p:spPr>
+        <p:txBody>
+          <a:bodyPr vert="horz" lIns="91440" tIns="45720" rIns="91440" bIns="45720" rtlCol="0"/>
+          <a:lstStyle>
+            <a:lvl1pPr algn="r">
+              <a:defRPr sz="1200"/>
+            </a:lvl1pPr>
+          </a:lstStyle>
+          <a:p>
+            <a:fld id="{80B93245-A031-494C-ABE4-4683570A20E9}" type="datetimeFigureOut">
+              <a:rPr lang="es-PE" smtClean="0"/>
+              <a:t>17/09/2013</a:t>
+            </a:fld>
+            <a:endParaRPr lang="es-PE"/>
+          </a:p>
+        </p:txBody>
+      </p:sp>
+      <p:sp>
+        <p:nvSpPr>
+          <p:cNvPr id="4" name="3 Marcador de imagen de diapositiva"/>
+          <p:cNvSpPr>
+            <a:spLocks noGrp="1" noRot="1" noChangeAspect="1"/>
+          </p:cNvSpPr>
+          <p:nvPr>
+            <p:ph type="sldImg" idx="2"/>
+          </p:nvPr>
+        </p:nvSpPr>
+        <p:spPr>
+          <a:xfrm>
+            <a:off x="1143000" y="685800"/>
+            <a:ext cx="4572000" cy="3429000"/>
+          </a:xfrm>
+          <a:prstGeom prst="rect">
+            <a:avLst/>
+          </a:prstGeom>
+          <a:noFill/>
+          <a:ln w="12700">
+            <a:solidFill>
+              <a:prstClr val="black"/>
+            </a:solidFill>
+          </a:ln>
+        </p:spPr>
+        <p:txBody>
+          <a:bodyPr vert="horz" lIns="91440" tIns="45720" rIns="91440" bIns="45720" rtlCol="0" anchor="ctr"/>
+          <a:lstStyle/>
+          <a:p>
+            <a:endParaRPr lang="es-PE"/>
+          </a:p>
+        </p:txBody>
+      </p:sp>
+      <p:sp>
+        <p:nvSpPr>
+          <p:cNvPr id="5" name="4 Marcador de notas"/>
+          <p:cNvSpPr>
+            <a:spLocks noGrp="1"/>
+          </p:cNvSpPr>
+          <p:nvPr>
+            <p:ph type="body" sz="quarter" idx="3"/>
+          </p:nvPr>
+        </p:nvSpPr>
+        <p:spPr>
+          <a:xfrm>
+            <a:off x="685800" y="4343400"/>
+            <a:ext cx="5486400" cy="4114800"/>
+          </a:xfrm>
+          <a:prstGeom prst="rect">
+            <a:avLst/>
+          </a:prstGeom>
+        </p:spPr>
+        <p:txBody>
+          <a:bodyPr vert="horz" lIns="91440" tIns="45720" rIns="91440" bIns="45720" rtlCol="0"/>
+          <a:lstStyle/>
+          <a:p>
+            <a:pPr lvl="0"/>
+            <a:r>
+              <a:rPr lang="es-ES" smtClean="0"/>
+              <a:t>Haga clic para modificar el estilo de texto del patrón</a:t>
+            </a:r>
+          </a:p>
+          <a:p>
+            <a:pPr lvl="1"/>
+            <a:r>
+              <a:rPr lang="es-ES" smtClean="0"/>
+              <a:t>Segundo nivel</a:t>
+            </a:r>
+          </a:p>
+          <a:p>
+            <a:pPr lvl="2"/>
+            <a:r>
+              <a:rPr lang="es-ES" smtClean="0"/>
+              <a:t>Tercer nivel</a:t>
+            </a:r>
+          </a:p>
+          <a:p>
+            <a:pPr lvl="3"/>
+            <a:r>
+              <a:rPr lang="es-ES" smtClean="0"/>
+              <a:t>Cuarto nivel</a:t>
+            </a:r>
+          </a:p>
+          <a:p>
+            <a:pPr lvl="4"/>
+            <a:r>
+              <a:rPr lang="es-ES" smtClean="0"/>
+              <a:t>Quinto nivel</a:t>
+            </a:r>
+            <a:endParaRPr lang="es-PE"/>
+          </a:p>
+        </p:txBody>
+      </p:sp>
+      <p:sp>
+        <p:nvSpPr>
+          <p:cNvPr id="6" name="5 Marcador de pie de página"/>
+          <p:cNvSpPr>
+            <a:spLocks noGrp="1"/>
+          </p:cNvSpPr>
+          <p:nvPr>
+            <p:ph type="ftr" sz="quarter" idx="4"/>
+          </p:nvPr>
+        </p:nvSpPr>
+        <p:spPr>
+          <a:xfrm>
+            <a:off x="0" y="8685213"/>
+            <a:ext cx="2971800" cy="457200"/>
+          </a:xfrm>
+          <a:prstGeom prst="rect">
+            <a:avLst/>
+          </a:prstGeom>
+        </p:spPr>
+        <p:txBody>
+          <a:bodyPr vert="horz" lIns="91440" tIns="45720" rIns="91440" bIns="45720" rtlCol="0" anchor="b"/>
+          <a:lstStyle>
+            <a:lvl1pPr algn="l">
+              <a:defRPr sz="1200"/>
+            </a:lvl1pPr>
+          </a:lstStyle>
+          <a:p>
+            <a:endParaRPr lang="es-PE"/>
+          </a:p>
+        </p:txBody>
+      </p:sp>
+      <p:sp>
+        <p:nvSpPr>
+          <p:cNvPr id="7" name="6 Marcador de número de diapositiva"/>
+          <p:cNvSpPr>
+            <a:spLocks noGrp="1"/>
+          </p:cNvSpPr>
+          <p:nvPr>
+            <p:ph type="sldNum" sz="quarter" idx="5"/>
+          </p:nvPr>
+        </p:nvSpPr>
+        <p:spPr>
+          <a:xfrm>
+            <a:off x="3884613" y="8685213"/>
+            <a:ext cx="2971800" cy="457200"/>
+          </a:xfrm>
+          <a:prstGeom prst="rect">
+            <a:avLst/>
+          </a:prstGeom>
+        </p:spPr>
+        <p:txBody>
+          <a:bodyPr vert="horz" lIns="91440" tIns="45720" rIns="91440" bIns="45720" rtlCol="0" anchor="b"/>
+          <a:lstStyle>
+            <a:lvl1pPr algn="r">
+              <a:defRPr sz="1200"/>
+            </a:lvl1pPr>
+          </a:lstStyle>
+          <a:p>
+            <a:fld id="{64F39B46-182A-4718-A139-C84F2D180654}" type="slidenum">
+              <a:rPr lang="es-PE" smtClean="0"/>
+              <a:t>‹Nº›</a:t>
+            </a:fld>
+            <a:endParaRPr lang="es-PE"/>
+          </a:p>
+        </p:txBody>
+      </p:sp>
+    </p:spTree>
+    <p:extLst>
+      <p:ext uri="{BB962C8B-B14F-4D97-AF65-F5344CB8AC3E}">
+        <p14:creationId xmlns:p14="http://schemas.microsoft.com/office/powerpoint/2010/main" val="3198496316"/>
+      </p:ext>
+    </p:extLst>
+  </p:cSld>
+  <p:clrMap bg1="lt1" tx1="dk1" bg2="lt2" tx2="dk2" accent1="accent1" accent2="accent2" accent3="accent3" accent4="accent4" accent5="accent5" accent6="accent6" hlink="hlink" folHlink="folHlink"/>
+  <p:notesStyle>
+    <a:lvl1pPr marL="0" algn="l" defTabSz="914400" rtl="0" eaLnBrk="1" latinLnBrk="0" hangingPunct="1">
+      <a:defRPr sz="1200" kern="1200">
+        <a:solidFill>
+          <a:schemeClr val="tx1"/>
+        </a:solidFill>
+        <a:latin typeface="+mn-lt"/>
+        <a:ea typeface="+mn-ea"/>
+        <a:cs typeface="+mn-cs"/>
+      </a:defRPr>
+    </a:lvl1pPr>
+    <a:lvl2pPr marL="457200" algn="l" defTabSz="914400" rtl="0" eaLnBrk="1" latinLnBrk="0" hangingPunct="1">
+      <a:defRPr sz="1200" kern="1200">
+        <a:solidFill>
+          <a:schemeClr val="tx1"/>
+        </a:solidFill>
+        <a:latin typeface="+mn-lt"/>
+        <a:ea typeface="+mn-ea"/>
+        <a:cs typeface="+mn-cs"/>
+      </a:defRPr>
+    </a:lvl2pPr>
+    <a:lvl3pPr marL="914400" algn="l" defTabSz="914400" rtl="0" eaLnBrk="1" latinLnBrk="0" hangingPunct="1">
+      <a:defRPr sz="1200" kern="1200">
+        <a:solidFill>
+          <a:schemeClr val="tx1"/>
+        </a:solidFill>
+        <a:latin typeface="+mn-lt"/>
+        <a:ea typeface="+mn-ea"/>
+        <a:cs typeface="+mn-cs"/>
+      </a:defRPr>
+    </a:lvl3pPr>
+    <a:lvl4pPr marL="1371600" algn="l" defTabSz="914400" rtl="0" eaLnBrk="1" latinLnBrk="0" hangingPunct="1">
+      <a:defRPr sz="1200" kern="1200">
+        <a:solidFill>
+          <a:schemeClr val="tx1"/>
+        </a:solidFill>
+        <a:latin typeface="+mn-lt"/>
+        <a:ea typeface="+mn-ea"/>
+        <a:cs typeface="+mn-cs"/>
+      </a:defRPr>
+    </a:lvl4pPr>
+    <a:lvl5pPr marL="1828800" algn="l" defTabSz="914400" rtl="0" eaLnBrk="1" latinLnBrk="0" hangingPunct="1">
+      <a:defRPr sz="1200" kern="1200">
+        <a:solidFill>
+          <a:schemeClr val="tx1"/>
+        </a:solidFill>
+        <a:latin typeface="+mn-lt"/>
+        <a:ea typeface="+mn-ea"/>
+        <a:cs typeface="+mn-cs"/>
+      </a:defRPr>
+    </a:lvl5pPr>
+    <a:lvl6pPr marL="2286000" algn="l" defTabSz="914400" rtl="0" eaLnBrk="1" latinLnBrk="0" hangingPunct="1">
+      <a:defRPr sz="1200" kern="1200">
+        <a:solidFill>
+          <a:schemeClr val="tx1"/>
+        </a:solidFill>
+        <a:latin typeface="+mn-lt"/>
+        <a:ea typeface="+mn-ea"/>
+        <a:cs typeface="+mn-cs"/>
+      </a:defRPr>
+    </a:lvl6pPr>
+    <a:lvl7pPr marL="2743200" algn="l" defTabSz="914400" rtl="0" eaLnBrk="1" latinLnBrk="0" hangingPunct="1">
+      <a:defRPr sz="1200" kern="1200">
+        <a:solidFill>
+          <a:schemeClr val="tx1"/>
+        </a:solidFill>
+        <a:latin typeface="+mn-lt"/>
+        <a:ea typeface="+mn-ea"/>
+        <a:cs typeface="+mn-cs"/>
+      </a:defRPr>
+    </a:lvl7pPr>
+    <a:lvl8pPr marL="3200400" algn="l" defTabSz="914400" rtl="0" eaLnBrk="1" latinLnBrk="0" hangingPunct="1">
+      <a:defRPr sz="1200" kern="1200">
+        <a:solidFill>
+          <a:schemeClr val="tx1"/>
+        </a:solidFill>
+        <a:latin typeface="+mn-lt"/>
+        <a:ea typeface="+mn-ea"/>
+        <a:cs typeface="+mn-cs"/>
+      </a:defRPr>
+    </a:lvl8pPr>
+    <a:lvl9pPr marL="3657600" algn="l" defTabSz="914400" rtl="0" eaLnBrk="1" latinLnBrk="0" hangingPunct="1">
+      <a:defRPr sz="1200" kern="1200">
+        <a:solidFill>
+          <a:schemeClr val="tx1"/>
+        </a:solidFill>
+        <a:latin typeface="+mn-lt"/>
+        <a:ea typeface="+mn-ea"/>
+        <a:cs typeface="+mn-cs"/>
+      </a:defRPr>
+    </a:lvl9pPr>
+  </p:notesStyle>
+</p:notesMaster>
+</file>
+
+<file path=ppt/notesSlides/notesSlide1.xml><?xml version="1.0" encoding="utf-8"?>
+<p:notes xmlns:a="http://schemas.openxmlformats.org/drawingml/2006/main" xmlns:r="http://schemas.openxmlformats.org/officeDocument/2006/relationships" xmlns:p="http://schemas.openxmlformats.org/presentationml/2006/main">
+  <p:cSld>
+    <p:spTree>
+      <p:nvGrpSpPr>
+        <p:cNvPr id="1" name=""/>
+        <p:cNvGrpSpPr/>
+        <p:nvPr/>
+      </p:nvGrpSpPr>
+      <p:grpSpPr>
+        <a:xfrm>
+          <a:off x="0" y="0"/>
+          <a:ext cx="0" cy="0"/>
+          <a:chOff x="0" y="0"/>
+          <a:chExt cx="0" cy="0"/>
+        </a:xfrm>
+      </p:grpSpPr>
+      <p:sp>
+        <p:nvSpPr>
+          <p:cNvPr id="2" name="1 Marcador de imagen de diapositiva"/>
+          <p:cNvSpPr>
+            <a:spLocks noGrp="1" noRot="1" noChangeAspect="1"/>
+          </p:cNvSpPr>
+          <p:nvPr>
+            <p:ph type="sldImg"/>
+          </p:nvPr>
+        </p:nvSpPr>
+        <p:spPr/>
+      </p:sp>
+      <p:sp>
+        <p:nvSpPr>
+          <p:cNvPr id="3" name="2 Marcador de notas"/>
+          <p:cNvSpPr>
+            <a:spLocks noGrp="1"/>
+          </p:cNvSpPr>
+          <p:nvPr>
+            <p:ph type="body" idx="1"/>
+          </p:nvPr>
+        </p:nvSpPr>
+        <p:spPr/>
+        <p:txBody>
+          <a:bodyPr/>
+          <a:lstStyle/>
+          <a:p>
+            <a:endParaRPr lang="es-PE" dirty="0"/>
+          </a:p>
+        </p:txBody>
+      </p:sp>
+      <p:sp>
+        <p:nvSpPr>
+          <p:cNvPr id="4" name="3 Marcador de número de diapositiva"/>
+          <p:cNvSpPr>
+            <a:spLocks noGrp="1"/>
+          </p:cNvSpPr>
+          <p:nvPr>
+            <p:ph type="sldNum" sz="quarter" idx="10"/>
+          </p:nvPr>
+        </p:nvSpPr>
+        <p:spPr/>
+        <p:txBody>
+          <a:bodyPr/>
+          <a:lstStyle/>
+          <a:p>
+            <a:fld id="{64F39B46-182A-4718-A139-C84F2D180654}" type="slidenum">
+              <a:rPr lang="es-PE" smtClean="0"/>
+              <a:t>10</a:t>
+            </a:fld>
+            <a:endParaRPr lang="es-PE"/>
+          </a:p>
+        </p:txBody>
+      </p:sp>
+    </p:spTree>
+    <p:extLst>
+      <p:ext uri="{BB962C8B-B14F-4D97-AF65-F5344CB8AC3E}">
+        <p14:creationId xmlns:p14="http://schemas.microsoft.com/office/powerpoint/2010/main" val="2919543481"/>
+      </p:ext>
+    </p:extLst>
+  </p:cSld>
+  <p:clrMapOvr>
+    <a:masterClrMapping/>
+  </p:clrMapOvr>
+</p:notes>
+</file>
+
 <file path=ppt/slideLayouts/slideLayout1.xml><?xml version="1.0" encoding="utf-8"?>
 <p:sldLayout xmlns:a="http://schemas.openxmlformats.org/drawingml/2006/main" xmlns:r="http://schemas.openxmlformats.org/officeDocument/2006/relationships" xmlns:p="http://schemas.openxmlformats.org/presentationml/2006/main" type="title" preserve="1">
   <p:cSld name="Diapositiva de título">
@@ -284,7 +726,7 @@
           <a:p>
             <a:fld id="{32CBBC12-BEC0-4E14-8C13-377EA3023101}" type="datetimeFigureOut">
               <a:rPr lang="es-PE" smtClean="0"/>
-              <a:t>02/09/2013</a:t>
+              <a:t>17/09/2013</a:t>
             </a:fld>
             <a:endParaRPr lang="es-PE"/>
           </a:p>
@@ -449,7 +891,7 @@
           <a:p>
             <a:fld id="{32CBBC12-BEC0-4E14-8C13-377EA3023101}" type="datetimeFigureOut">
               <a:rPr lang="es-PE" smtClean="0"/>
-              <a:t>02/09/2013</a:t>
+              <a:t>17/09/2013</a:t>
             </a:fld>
             <a:endParaRPr lang="es-PE"/>
           </a:p>
@@ -624,7 +1066,7 @@
           <a:p>
             <a:fld id="{32CBBC12-BEC0-4E14-8C13-377EA3023101}" type="datetimeFigureOut">
               <a:rPr lang="es-PE" smtClean="0"/>
-              <a:t>02/09/2013</a:t>
+              <a:t>17/09/2013</a:t>
             </a:fld>
             <a:endParaRPr lang="es-PE"/>
           </a:p>
@@ -789,7 +1231,7 @@
           <a:p>
             <a:fld id="{32CBBC12-BEC0-4E14-8C13-377EA3023101}" type="datetimeFigureOut">
               <a:rPr lang="es-PE" smtClean="0"/>
-              <a:t>02/09/2013</a:t>
+              <a:t>17/09/2013</a:t>
             </a:fld>
             <a:endParaRPr lang="es-PE"/>
           </a:p>
@@ -1031,7 +1473,7 @@
           <a:p>
             <a:fld id="{32CBBC12-BEC0-4E14-8C13-377EA3023101}" type="datetimeFigureOut">
               <a:rPr lang="es-PE" smtClean="0"/>
-              <a:t>02/09/2013</a:t>
+              <a:t>17/09/2013</a:t>
             </a:fld>
             <a:endParaRPr lang="es-PE"/>
           </a:p>
@@ -1295,7 +1737,7 @@
           <a:p>
             <a:fld id="{32CBBC12-BEC0-4E14-8C13-377EA3023101}" type="datetimeFigureOut">
               <a:rPr lang="es-PE" smtClean="0"/>
-              <a:t>02/09/2013</a:t>
+              <a:t>17/09/2013</a:t>
             </a:fld>
             <a:endParaRPr lang="es-PE"/>
           </a:p>
@@ -1673,7 +2115,7 @@
           <a:p>
             <a:fld id="{32CBBC12-BEC0-4E14-8C13-377EA3023101}" type="datetimeFigureOut">
               <a:rPr lang="es-PE" smtClean="0"/>
-              <a:t>02/09/2013</a:t>
+              <a:t>17/09/2013</a:t>
             </a:fld>
             <a:endParaRPr lang="es-PE"/>
           </a:p>
@@ -1823,7 +2265,7 @@
           <a:p>
             <a:fld id="{32CBBC12-BEC0-4E14-8C13-377EA3023101}" type="datetimeFigureOut">
               <a:rPr lang="es-PE" smtClean="0"/>
-              <a:t>02/09/2013</a:t>
+              <a:t>17/09/2013</a:t>
             </a:fld>
             <a:endParaRPr lang="es-PE"/>
           </a:p>
@@ -1913,7 +2355,7 @@
           <a:p>
             <a:fld id="{32CBBC12-BEC0-4E14-8C13-377EA3023101}" type="datetimeFigureOut">
               <a:rPr lang="es-PE" smtClean="0"/>
-              <a:t>02/09/2013</a:t>
+              <a:t>17/09/2013</a:t>
             </a:fld>
             <a:endParaRPr lang="es-PE"/>
           </a:p>
@@ -2174,7 +2616,7 @@
           <a:p>
             <a:fld id="{32CBBC12-BEC0-4E14-8C13-377EA3023101}" type="datetimeFigureOut">
               <a:rPr lang="es-PE" smtClean="0"/>
-              <a:t>02/09/2013</a:t>
+              <a:t>17/09/2013</a:t>
             </a:fld>
             <a:endParaRPr lang="es-PE"/>
           </a:p>
@@ -2462,7 +2904,7 @@
           <a:p>
             <a:fld id="{32CBBC12-BEC0-4E14-8C13-377EA3023101}" type="datetimeFigureOut">
               <a:rPr lang="es-PE" smtClean="0"/>
-              <a:t>02/09/2013</a:t>
+              <a:t>17/09/2013</a:t>
             </a:fld>
             <a:endParaRPr lang="es-PE"/>
           </a:p>
@@ -3233,7 +3675,7 @@
           <a:p>
             <a:fld id="{32CBBC12-BEC0-4E14-8C13-377EA3023101}" type="datetimeFigureOut">
               <a:rPr lang="es-PE" smtClean="0"/>
-              <a:t>02/09/2013</a:t>
+              <a:t>17/09/2013</a:t>
             </a:fld>
             <a:endParaRPr lang="es-PE"/>
           </a:p>
@@ -3868,7 +4310,7 @@
           <a:p>
             <a:r>
               <a:rPr lang="es-PE" dirty="0" smtClean="0"/>
-              <a:t>Proceso de Cajas chicas</a:t>
+              <a:t>Asignación de caja chica</a:t>
             </a:r>
             <a:endParaRPr lang="es-PE" dirty="0"/>
           </a:p>
@@ -3896,7 +4338,7 @@
     </p:spTree>
     <p:extLst>
       <p:ext uri="{BB962C8B-B14F-4D97-AF65-F5344CB8AC3E}">
-        <p14:creationId xmlns:p14="http://schemas.microsoft.com/office/powerpoint/2010/main" val="1682546585"/>
+        <p14:creationId xmlns:p14="http://schemas.microsoft.com/office/powerpoint/2010/main" val="311220099"/>
       </p:ext>
     </p:extLst>
   </p:cSld>
@@ -3909,6 +4351,672 @@
         <p:cTn id="1" dur="indefinite" restart="never" nodeType="tmRoot"/>
       </p:par>
     </p:tnLst>
+  </p:timing>
+</p:sld>
+</file>
+
+<file path=ppt/slides/slide10.xml><?xml version="1.0" encoding="utf-8"?>
+<p:sld xmlns:a="http://schemas.openxmlformats.org/drawingml/2006/main" xmlns:r="http://schemas.openxmlformats.org/officeDocument/2006/relationships" xmlns:p="http://schemas.openxmlformats.org/presentationml/2006/main">
+  <p:cSld>
+    <p:spTree>
+      <p:nvGrpSpPr>
+        <p:cNvPr id="1" name=""/>
+        <p:cNvGrpSpPr/>
+        <p:nvPr/>
+      </p:nvGrpSpPr>
+      <p:grpSpPr>
+        <a:xfrm>
+          <a:off x="0" y="0"/>
+          <a:ext cx="0" cy="0"/>
+          <a:chOff x="0" y="0"/>
+          <a:chExt cx="0" cy="0"/>
+        </a:xfrm>
+      </p:grpSpPr>
+      <p:sp>
+        <p:nvSpPr>
+          <p:cNvPr id="2" name="1 Título"/>
+          <p:cNvSpPr>
+            <a:spLocks noGrp="1"/>
+          </p:cNvSpPr>
+          <p:nvPr>
+            <p:ph type="title"/>
+          </p:nvPr>
+        </p:nvSpPr>
+        <p:spPr/>
+        <p:txBody>
+          <a:bodyPr/>
+          <a:lstStyle/>
+          <a:p>
+            <a:r>
+              <a:rPr lang="es-PE" dirty="0" smtClean="0"/>
+              <a:t>Rendición de Cuentas</a:t>
+            </a:r>
+            <a:endParaRPr lang="es-PE" dirty="0"/>
+          </a:p>
+        </p:txBody>
+      </p:sp>
+      <p:grpSp>
+        <p:nvGrpSpPr>
+          <p:cNvPr id="11" name="10 Grupo"/>
+          <p:cNvGrpSpPr/>
+          <p:nvPr/>
+        </p:nvGrpSpPr>
+        <p:grpSpPr>
+          <a:xfrm>
+            <a:off x="647564" y="2347037"/>
+            <a:ext cx="1728192" cy="2096492"/>
+            <a:chOff x="646922" y="2101601"/>
+            <a:chExt cx="1728192" cy="2096492"/>
+          </a:xfrm>
+        </p:grpSpPr>
+        <p:pic>
+          <p:nvPicPr>
+            <p:cNvPr id="3075" name="Picture 3" descr="C:\Users\user\Desktop\Caja Chica\cojiendo dinero.jpg"/>
+            <p:cNvPicPr>
+              <a:picLocks noChangeAspect="1" noChangeArrowheads="1"/>
+            </p:cNvPicPr>
+            <p:nvPr/>
+          </p:nvPicPr>
+          <p:blipFill>
+            <a:blip r:embed="rId3" cstate="print">
+              <a:extLst>
+                <a:ext uri="{28A0092B-C50C-407E-A947-70E740481C1C}">
+                  <a14:useLocalDpi xmlns:a14="http://schemas.microsoft.com/office/drawing/2010/main" val="0"/>
+                </a:ext>
+              </a:extLst>
+            </a:blip>
+            <a:srcRect/>
+            <a:stretch>
+              <a:fillRect/>
+            </a:stretch>
+          </p:blipFill>
+          <p:spPr bwMode="auto">
+            <a:xfrm>
+              <a:off x="646922" y="2469901"/>
+              <a:ext cx="1728192" cy="1728192"/>
+            </a:xfrm>
+            <a:prstGeom prst="rect">
+              <a:avLst/>
+            </a:prstGeom>
+            <a:noFill/>
+            <a:extLst>
+              <a:ext uri="{909E8E84-426E-40DD-AFC4-6F175D3DCCD1}">
+                <a14:hiddenFill xmlns:a14="http://schemas.microsoft.com/office/drawing/2010/main">
+                  <a:solidFill>
+                    <a:srgbClr val="FFFFFF"/>
+                  </a:solidFill>
+                </a14:hiddenFill>
+              </a:ext>
+            </a:extLst>
+          </p:spPr>
+        </p:pic>
+        <p:sp>
+          <p:nvSpPr>
+            <p:cNvPr id="6" name="5 CuadroTexto"/>
+            <p:cNvSpPr txBox="1"/>
+            <p:nvPr/>
+          </p:nvSpPr>
+          <p:spPr>
+            <a:xfrm>
+              <a:off x="647564" y="2101601"/>
+              <a:ext cx="1656184" cy="369332"/>
+            </a:xfrm>
+            <a:prstGeom prst="rect">
+              <a:avLst/>
+            </a:prstGeom>
+            <a:noFill/>
+          </p:spPr>
+          <p:txBody>
+            <a:bodyPr wrap="square" rtlCol="0">
+              <a:spAutoFit/>
+            </a:bodyPr>
+            <a:lstStyle/>
+            <a:p>
+              <a:r>
+                <a:rPr lang="es-PE" dirty="0" smtClean="0"/>
+                <a:t>Rinde Cuentas</a:t>
+              </a:r>
+              <a:endParaRPr lang="es-PE" dirty="0"/>
+            </a:p>
+          </p:txBody>
+        </p:sp>
+      </p:grpSp>
+      <p:grpSp>
+        <p:nvGrpSpPr>
+          <p:cNvPr id="12" name="11 Grupo"/>
+          <p:cNvGrpSpPr/>
+          <p:nvPr/>
+        </p:nvGrpSpPr>
+        <p:grpSpPr>
+          <a:xfrm>
+            <a:off x="6408204" y="2469901"/>
+            <a:ext cx="2016224" cy="1655176"/>
+            <a:chOff x="6408204" y="2469901"/>
+            <a:chExt cx="2016224" cy="1655176"/>
+          </a:xfrm>
+        </p:grpSpPr>
+        <p:pic>
+          <p:nvPicPr>
+            <p:cNvPr id="3074" name="Picture 2" descr="C:\Users\user\Desktop\Caja Chica\tesorero 2.jpg"/>
+            <p:cNvPicPr>
+              <a:picLocks noChangeAspect="1" noChangeArrowheads="1"/>
+            </p:cNvPicPr>
+            <p:nvPr/>
+          </p:nvPicPr>
+          <p:blipFill>
+            <a:blip r:embed="rId4" cstate="print">
+              <a:extLst>
+                <a:ext uri="{28A0092B-C50C-407E-A947-70E740481C1C}">
+                  <a14:useLocalDpi xmlns:a14="http://schemas.microsoft.com/office/drawing/2010/main" val="0"/>
+                </a:ext>
+              </a:extLst>
+            </a:blip>
+            <a:srcRect/>
+            <a:stretch>
+              <a:fillRect/>
+            </a:stretch>
+          </p:blipFill>
+          <p:spPr bwMode="auto">
+            <a:xfrm>
+              <a:off x="6516216" y="2924944"/>
+              <a:ext cx="1800200" cy="1200133"/>
+            </a:xfrm>
+            <a:prstGeom prst="rect">
+              <a:avLst/>
+            </a:prstGeom>
+            <a:noFill/>
+            <a:extLst>
+              <a:ext uri="{909E8E84-426E-40DD-AFC4-6F175D3DCCD1}">
+                <a14:hiddenFill xmlns:a14="http://schemas.microsoft.com/office/drawing/2010/main">
+                  <a:solidFill>
+                    <a:srgbClr val="FFFFFF"/>
+                  </a:solidFill>
+                </a14:hiddenFill>
+              </a:ext>
+            </a:extLst>
+          </p:spPr>
+        </p:pic>
+        <p:sp>
+          <p:nvSpPr>
+            <p:cNvPr id="15" name="14 CuadroTexto"/>
+            <p:cNvSpPr txBox="1"/>
+            <p:nvPr/>
+          </p:nvSpPr>
+          <p:spPr>
+            <a:xfrm>
+              <a:off x="6408204" y="2469901"/>
+              <a:ext cx="2016224" cy="369332"/>
+            </a:xfrm>
+            <a:prstGeom prst="rect">
+              <a:avLst/>
+            </a:prstGeom>
+            <a:noFill/>
+          </p:spPr>
+          <p:txBody>
+            <a:bodyPr wrap="square" rtlCol="0">
+              <a:spAutoFit/>
+            </a:bodyPr>
+            <a:lstStyle/>
+            <a:p>
+              <a:r>
+                <a:rPr lang="es-PE" dirty="0" smtClean="0"/>
+                <a:t>Revisa Rendición</a:t>
+              </a:r>
+              <a:endParaRPr lang="es-PE" dirty="0"/>
+            </a:p>
+          </p:txBody>
+        </p:sp>
+      </p:grpSp>
+      <p:sp>
+        <p:nvSpPr>
+          <p:cNvPr id="16" name="15 Flecha derecha"/>
+          <p:cNvSpPr/>
+          <p:nvPr/>
+        </p:nvSpPr>
+        <p:spPr>
+          <a:xfrm>
+            <a:off x="2843808" y="3092713"/>
+            <a:ext cx="669882" cy="484632"/>
+          </a:xfrm>
+          <a:prstGeom prst="rightArrow">
+            <a:avLst/>
+          </a:prstGeom>
+        </p:spPr>
+        <p:style>
+          <a:lnRef idx="2">
+            <a:schemeClr val="accent6">
+              <a:shade val="50000"/>
+            </a:schemeClr>
+          </a:lnRef>
+          <a:fillRef idx="1">
+            <a:schemeClr val="accent6"/>
+          </a:fillRef>
+          <a:effectRef idx="0">
+            <a:schemeClr val="accent6"/>
+          </a:effectRef>
+          <a:fontRef idx="minor">
+            <a:schemeClr val="lt1"/>
+          </a:fontRef>
+        </p:style>
+        <p:txBody>
+          <a:bodyPr rtlCol="0" anchor="ctr"/>
+          <a:lstStyle/>
+          <a:p>
+            <a:pPr algn="ctr"/>
+            <a:endParaRPr lang="es-PE"/>
+          </a:p>
+        </p:txBody>
+      </p:sp>
+      <p:sp>
+        <p:nvSpPr>
+          <p:cNvPr id="17" name="16 Flecha derecha"/>
+          <p:cNvSpPr/>
+          <p:nvPr/>
+        </p:nvSpPr>
+        <p:spPr>
+          <a:xfrm>
+            <a:off x="5738322" y="3152967"/>
+            <a:ext cx="669882" cy="484632"/>
+          </a:xfrm>
+          <a:prstGeom prst="rightArrow">
+            <a:avLst/>
+          </a:prstGeom>
+        </p:spPr>
+        <p:style>
+          <a:lnRef idx="2">
+            <a:schemeClr val="accent6">
+              <a:shade val="50000"/>
+            </a:schemeClr>
+          </a:lnRef>
+          <a:fillRef idx="1">
+            <a:schemeClr val="accent6"/>
+          </a:fillRef>
+          <a:effectRef idx="0">
+            <a:schemeClr val="accent6"/>
+          </a:effectRef>
+          <a:fontRef idx="minor">
+            <a:schemeClr val="lt1"/>
+          </a:fontRef>
+        </p:style>
+        <p:txBody>
+          <a:bodyPr rtlCol="0" anchor="ctr"/>
+          <a:lstStyle/>
+          <a:p>
+            <a:pPr algn="ctr"/>
+            <a:endParaRPr lang="es-PE"/>
+          </a:p>
+        </p:txBody>
+      </p:sp>
+      <p:grpSp>
+        <p:nvGrpSpPr>
+          <p:cNvPr id="19" name="18 Grupo"/>
+          <p:cNvGrpSpPr/>
+          <p:nvPr/>
+        </p:nvGrpSpPr>
+        <p:grpSpPr>
+          <a:xfrm>
+            <a:off x="3635896" y="2555693"/>
+            <a:ext cx="1894793" cy="1679179"/>
+            <a:chOff x="3552594" y="3333997"/>
+            <a:chExt cx="1894793" cy="1679179"/>
+          </a:xfrm>
+        </p:grpSpPr>
+        <p:sp>
+          <p:nvSpPr>
+            <p:cNvPr id="13" name="12 CuadroTexto"/>
+            <p:cNvSpPr txBox="1"/>
+            <p:nvPr/>
+          </p:nvSpPr>
+          <p:spPr>
+            <a:xfrm>
+              <a:off x="3635896" y="3333997"/>
+              <a:ext cx="1728192" cy="369332"/>
+            </a:xfrm>
+            <a:prstGeom prst="rect">
+              <a:avLst/>
+            </a:prstGeom>
+            <a:noFill/>
+          </p:spPr>
+          <p:txBody>
+            <a:bodyPr wrap="square" rtlCol="0">
+              <a:spAutoFit/>
+            </a:bodyPr>
+            <a:lstStyle/>
+            <a:p>
+              <a:r>
+                <a:rPr lang="es-PE" dirty="0" smtClean="0"/>
+                <a:t>Comprobantes</a:t>
+              </a:r>
+              <a:endParaRPr lang="es-PE" dirty="0"/>
+            </a:p>
+          </p:txBody>
+        </p:sp>
+        <p:pic>
+          <p:nvPicPr>
+            <p:cNvPr id="3077" name="Picture 5" descr="C:\Users\user\Desktop\Caja Chica\cuentas.jpg"/>
+            <p:cNvPicPr>
+              <a:picLocks noChangeAspect="1" noChangeArrowheads="1"/>
+            </p:cNvPicPr>
+            <p:nvPr/>
+          </p:nvPicPr>
+          <p:blipFill>
+            <a:blip r:embed="rId5">
+              <a:extLst>
+                <a:ext uri="{28A0092B-C50C-407E-A947-70E740481C1C}">
+                  <a14:useLocalDpi xmlns:a14="http://schemas.microsoft.com/office/drawing/2010/main" val="0"/>
+                </a:ext>
+              </a:extLst>
+            </a:blip>
+            <a:srcRect/>
+            <a:stretch>
+              <a:fillRect/>
+            </a:stretch>
+          </p:blipFill>
+          <p:spPr bwMode="auto">
+            <a:xfrm>
+              <a:off x="3552594" y="3749981"/>
+              <a:ext cx="1894793" cy="1263195"/>
+            </a:xfrm>
+            <a:prstGeom prst="rect">
+              <a:avLst/>
+            </a:prstGeom>
+            <a:noFill/>
+            <a:extLst>
+              <a:ext uri="{909E8E84-426E-40DD-AFC4-6F175D3DCCD1}">
+                <a14:hiddenFill xmlns:a14="http://schemas.microsoft.com/office/drawing/2010/main">
+                  <a:solidFill>
+                    <a:srgbClr val="FFFFFF"/>
+                  </a:solidFill>
+                </a14:hiddenFill>
+              </a:ext>
+            </a:extLst>
+          </p:spPr>
+        </p:pic>
+      </p:grpSp>
+    </p:spTree>
+    <p:extLst>
+      <p:ext uri="{BB962C8B-B14F-4D97-AF65-F5344CB8AC3E}">
+        <p14:creationId xmlns:p14="http://schemas.microsoft.com/office/powerpoint/2010/main" val="888286933"/>
+      </p:ext>
+    </p:extLst>
+  </p:cSld>
+  <p:clrMapOvr>
+    <a:masterClrMapping/>
+  </p:clrMapOvr>
+  <p:timing>
+    <p:tnLst>
+      <p:par>
+        <p:cTn id="1" dur="indefinite" restart="never" nodeType="tmRoot">
+          <p:childTnLst>
+            <p:seq concurrent="1" nextAc="seek">
+              <p:cTn id="2" dur="indefinite" nodeType="mainSeq">
+                <p:childTnLst>
+                  <p:par>
+                    <p:cTn id="3" fill="hold">
+                      <p:stCondLst>
+                        <p:cond delay="indefinite"/>
+                      </p:stCondLst>
+                      <p:childTnLst>
+                        <p:par>
+                          <p:cTn id="4" fill="hold">
+                            <p:stCondLst>
+                              <p:cond delay="0"/>
+                            </p:stCondLst>
+                            <p:childTnLst>
+                              <p:par>
+                                <p:cTn id="5" presetID="1" presetClass="entr" presetSubtype="0" fill="hold" nodeType="clickEffect">
+                                  <p:stCondLst>
+                                    <p:cond delay="0"/>
+                                  </p:stCondLst>
+                                  <p:childTnLst>
+                                    <p:set>
+                                      <p:cBhvr>
+                                        <p:cTn id="6" dur="1" fill="hold">
+                                          <p:stCondLst>
+                                            <p:cond delay="0"/>
+                                          </p:stCondLst>
+                                        </p:cTn>
+                                        <p:tgtEl>
+                                          <p:spTgt spid="11"/>
+                                        </p:tgtEl>
+                                        <p:attrNameLst>
+                                          <p:attrName>style.visibility</p:attrName>
+                                        </p:attrNameLst>
+                                      </p:cBhvr>
+                                      <p:to>
+                                        <p:strVal val="visible"/>
+                                      </p:to>
+                                    </p:set>
+                                  </p:childTnLst>
+                                </p:cTn>
+                              </p:par>
+                            </p:childTnLst>
+                          </p:cTn>
+                        </p:par>
+                      </p:childTnLst>
+                    </p:cTn>
+                  </p:par>
+                  <p:par>
+                    <p:cTn id="7" fill="hold">
+                      <p:stCondLst>
+                        <p:cond delay="indefinite"/>
+                      </p:stCondLst>
+                      <p:childTnLst>
+                        <p:par>
+                          <p:cTn id="8" fill="hold">
+                            <p:stCondLst>
+                              <p:cond delay="0"/>
+                            </p:stCondLst>
+                            <p:childTnLst>
+                              <p:par>
+                                <p:cTn id="9" presetID="22" presetClass="entr" presetSubtype="8" fill="hold" grpId="0" nodeType="clickEffect">
+                                  <p:stCondLst>
+                                    <p:cond delay="0"/>
+                                  </p:stCondLst>
+                                  <p:childTnLst>
+                                    <p:set>
+                                      <p:cBhvr>
+                                        <p:cTn id="10" dur="1" fill="hold">
+                                          <p:stCondLst>
+                                            <p:cond delay="0"/>
+                                          </p:stCondLst>
+                                        </p:cTn>
+                                        <p:tgtEl>
+                                          <p:spTgt spid="16"/>
+                                        </p:tgtEl>
+                                        <p:attrNameLst>
+                                          <p:attrName>style.visibility</p:attrName>
+                                        </p:attrNameLst>
+                                      </p:cBhvr>
+                                      <p:to>
+                                        <p:strVal val="visible"/>
+                                      </p:to>
+                                    </p:set>
+                                    <p:animEffect transition="in" filter="wipe(left)">
+                                      <p:cBhvr>
+                                        <p:cTn id="11" dur="500"/>
+                                        <p:tgtEl>
+                                          <p:spTgt spid="16"/>
+                                        </p:tgtEl>
+                                      </p:cBhvr>
+                                    </p:animEffect>
+                                  </p:childTnLst>
+                                </p:cTn>
+                              </p:par>
+                            </p:childTnLst>
+                          </p:cTn>
+                        </p:par>
+                      </p:childTnLst>
+                    </p:cTn>
+                  </p:par>
+                  <p:par>
+                    <p:cTn id="12" fill="hold">
+                      <p:stCondLst>
+                        <p:cond delay="indefinite"/>
+                      </p:stCondLst>
+                      <p:childTnLst>
+                        <p:par>
+                          <p:cTn id="13" fill="hold">
+                            <p:stCondLst>
+                              <p:cond delay="0"/>
+                            </p:stCondLst>
+                            <p:childTnLst>
+                              <p:par>
+                                <p:cTn id="14" presetID="1" presetClass="entr" presetSubtype="0" fill="hold" nodeType="clickEffect">
+                                  <p:stCondLst>
+                                    <p:cond delay="0"/>
+                                  </p:stCondLst>
+                                  <p:childTnLst>
+                                    <p:set>
+                                      <p:cBhvr>
+                                        <p:cTn id="15" dur="1" fill="hold">
+                                          <p:stCondLst>
+                                            <p:cond delay="0"/>
+                                          </p:stCondLst>
+                                        </p:cTn>
+                                        <p:tgtEl>
+                                          <p:spTgt spid="19"/>
+                                        </p:tgtEl>
+                                        <p:attrNameLst>
+                                          <p:attrName>style.visibility</p:attrName>
+                                        </p:attrNameLst>
+                                      </p:cBhvr>
+                                      <p:to>
+                                        <p:strVal val="visible"/>
+                                      </p:to>
+                                    </p:set>
+                                  </p:childTnLst>
+                                </p:cTn>
+                              </p:par>
+                            </p:childTnLst>
+                          </p:cTn>
+                        </p:par>
+                      </p:childTnLst>
+                    </p:cTn>
+                  </p:par>
+                  <p:par>
+                    <p:cTn id="16" fill="hold">
+                      <p:stCondLst>
+                        <p:cond delay="indefinite"/>
+                      </p:stCondLst>
+                      <p:childTnLst>
+                        <p:par>
+                          <p:cTn id="17" fill="hold">
+                            <p:stCondLst>
+                              <p:cond delay="0"/>
+                            </p:stCondLst>
+                            <p:childTnLst>
+                              <p:par>
+                                <p:cTn id="18" presetID="22" presetClass="entr" presetSubtype="8" fill="hold" grpId="0" nodeType="clickEffect">
+                                  <p:stCondLst>
+                                    <p:cond delay="0"/>
+                                  </p:stCondLst>
+                                  <p:childTnLst>
+                                    <p:set>
+                                      <p:cBhvr>
+                                        <p:cTn id="19" dur="1" fill="hold">
+                                          <p:stCondLst>
+                                            <p:cond delay="0"/>
+                                          </p:stCondLst>
+                                        </p:cTn>
+                                        <p:tgtEl>
+                                          <p:spTgt spid="17"/>
+                                        </p:tgtEl>
+                                        <p:attrNameLst>
+                                          <p:attrName>style.visibility</p:attrName>
+                                        </p:attrNameLst>
+                                      </p:cBhvr>
+                                      <p:to>
+                                        <p:strVal val="visible"/>
+                                      </p:to>
+                                    </p:set>
+                                    <p:animEffect transition="in" filter="wipe(left)">
+                                      <p:cBhvr>
+                                        <p:cTn id="20" dur="500"/>
+                                        <p:tgtEl>
+                                          <p:spTgt spid="17"/>
+                                        </p:tgtEl>
+                                      </p:cBhvr>
+                                    </p:animEffect>
+                                  </p:childTnLst>
+                                </p:cTn>
+                              </p:par>
+                            </p:childTnLst>
+                          </p:cTn>
+                        </p:par>
+                      </p:childTnLst>
+                    </p:cTn>
+                  </p:par>
+                  <p:par>
+                    <p:cTn id="21" fill="hold">
+                      <p:stCondLst>
+                        <p:cond delay="indefinite"/>
+                      </p:stCondLst>
+                      <p:childTnLst>
+                        <p:par>
+                          <p:cTn id="22" fill="hold">
+                            <p:stCondLst>
+                              <p:cond delay="0"/>
+                            </p:stCondLst>
+                            <p:childTnLst>
+                              <p:par>
+                                <p:cTn id="23" presetID="1" presetClass="entr" presetSubtype="0" fill="hold" nodeType="clickEffect">
+                                  <p:stCondLst>
+                                    <p:cond delay="0"/>
+                                  </p:stCondLst>
+                                  <p:childTnLst>
+                                    <p:set>
+                                      <p:cBhvr>
+                                        <p:cTn id="24" dur="1" fill="hold">
+                                          <p:stCondLst>
+                                            <p:cond delay="0"/>
+                                          </p:stCondLst>
+                                        </p:cTn>
+                                        <p:tgtEl>
+                                          <p:spTgt spid="12"/>
+                                        </p:tgtEl>
+                                        <p:attrNameLst>
+                                          <p:attrName>style.visibility</p:attrName>
+                                        </p:attrNameLst>
+                                      </p:cBhvr>
+                                      <p:to>
+                                        <p:strVal val="visible"/>
+                                      </p:to>
+                                    </p:set>
+                                  </p:childTnLst>
+                                </p:cTn>
+                              </p:par>
+                            </p:childTnLst>
+                          </p:cTn>
+                        </p:par>
+                      </p:childTnLst>
+                    </p:cTn>
+                  </p:par>
+                </p:childTnLst>
+              </p:cTn>
+              <p:prevCondLst>
+                <p:cond evt="onPrev" delay="0">
+                  <p:tgtEl>
+                    <p:sldTgt/>
+                  </p:tgtEl>
+                </p:cond>
+              </p:prevCondLst>
+              <p:nextCondLst>
+                <p:cond evt="onNext" delay="0">
+                  <p:tgtEl>
+                    <p:sldTgt/>
+                  </p:tgtEl>
+                </p:cond>
+              </p:nextCondLst>
+            </p:seq>
+          </p:childTnLst>
+        </p:cTn>
+      </p:par>
+    </p:tnLst>
+    <p:bldLst>
+      <p:bldP spid="16" grpId="0" animBg="1"/>
+      <p:bldP spid="17" grpId="0" animBg="1"/>
+    </p:bldLst>
   </p:timing>
 </p:sld>
 </file>
@@ -3940,14 +5048,850 @@
             <p:ph type="title"/>
           </p:nvPr>
         </p:nvSpPr>
-        <p:spPr/>
+        <p:spPr>
+          <a:xfrm>
+            <a:off x="457200" y="704088"/>
+            <a:ext cx="8229600" cy="924712"/>
+          </a:xfrm>
+        </p:spPr>
         <p:txBody>
           <a:bodyPr/>
           <a:lstStyle/>
           <a:p>
             <a:r>
               <a:rPr lang="es-PE" dirty="0" smtClean="0"/>
-              <a:t>Ingreso de Dinero</a:t>
+              <a:t>Creación de caja chica</a:t>
+            </a:r>
+            <a:endParaRPr lang="es-PE" dirty="0"/>
+          </a:p>
+        </p:txBody>
+      </p:sp>
+      <p:grpSp>
+        <p:nvGrpSpPr>
+          <p:cNvPr id="24" name="23 Grupo"/>
+          <p:cNvGrpSpPr/>
+          <p:nvPr/>
+        </p:nvGrpSpPr>
+        <p:grpSpPr>
+          <a:xfrm>
+            <a:off x="3510362" y="4388488"/>
+            <a:ext cx="1924941" cy="1704808"/>
+            <a:chOff x="6000811" y="4249839"/>
+            <a:chExt cx="2206545" cy="1928075"/>
+          </a:xfrm>
+        </p:grpSpPr>
+        <p:pic>
+          <p:nvPicPr>
+            <p:cNvPr id="13" name="12 Imagen"/>
+            <p:cNvPicPr>
+              <a:picLocks noChangeAspect="1"/>
+            </p:cNvPicPr>
+            <p:nvPr/>
+          </p:nvPicPr>
+          <p:blipFill>
+            <a:blip r:embed="rId2">
+              <a:extLst>
+                <a:ext uri="{28A0092B-C50C-407E-A947-70E740481C1C}">
+                  <a14:useLocalDpi xmlns:a14="http://schemas.microsoft.com/office/drawing/2010/main" val="0"/>
+                </a:ext>
+              </a:extLst>
+            </a:blip>
+            <a:stretch>
+              <a:fillRect/>
+            </a:stretch>
+          </p:blipFill>
+          <p:spPr>
+            <a:xfrm>
+              <a:off x="6000811" y="4509120"/>
+              <a:ext cx="2206545" cy="1668794"/>
+            </a:xfrm>
+            <a:prstGeom prst="rect">
+              <a:avLst/>
+            </a:prstGeom>
+          </p:spPr>
+        </p:pic>
+        <p:sp>
+          <p:nvSpPr>
+            <p:cNvPr id="21" name="20 Rectángulo"/>
+            <p:cNvSpPr/>
+            <p:nvPr/>
+          </p:nvSpPr>
+          <p:spPr>
+            <a:xfrm>
+              <a:off x="6655732" y="4249839"/>
+              <a:ext cx="1218784" cy="365488"/>
+            </a:xfrm>
+            <a:prstGeom prst="rect">
+              <a:avLst/>
+            </a:prstGeom>
+          </p:spPr>
+          <p:txBody>
+            <a:bodyPr wrap="none">
+              <a:spAutoFit/>
+            </a:bodyPr>
+            <a:lstStyle/>
+            <a:p>
+              <a:r>
+                <a:rPr lang="es-PE" sz="1500" dirty="0" smtClean="0"/>
+                <a:t>Caja Chica</a:t>
+              </a:r>
+              <a:endParaRPr lang="es-PE" sz="1500" dirty="0"/>
+            </a:p>
+          </p:txBody>
+        </p:sp>
+      </p:grpSp>
+      <p:sp>
+        <p:nvSpPr>
+          <p:cNvPr id="3" name="2 Rectángulo redondeado"/>
+          <p:cNvSpPr/>
+          <p:nvPr/>
+        </p:nvSpPr>
+        <p:spPr>
+          <a:xfrm>
+            <a:off x="467544" y="2782403"/>
+            <a:ext cx="1766742" cy="595280"/>
+          </a:xfrm>
+          <a:prstGeom prst="roundRect">
+            <a:avLst/>
+          </a:prstGeom>
+          <a:solidFill>
+            <a:srgbClr val="C00000"/>
+          </a:solidFill>
+        </p:spPr>
+        <p:style>
+          <a:lnRef idx="2">
+            <a:schemeClr val="accent1">
+              <a:shade val="50000"/>
+            </a:schemeClr>
+          </a:lnRef>
+          <a:fillRef idx="1">
+            <a:schemeClr val="accent1"/>
+          </a:fillRef>
+          <a:effectRef idx="0">
+            <a:schemeClr val="accent1"/>
+          </a:effectRef>
+          <a:fontRef idx="minor">
+            <a:schemeClr val="lt1"/>
+          </a:fontRef>
+        </p:style>
+        <p:txBody>
+          <a:bodyPr rtlCol="0" anchor="ctr"/>
+          <a:lstStyle/>
+          <a:p>
+            <a:pPr algn="ctr"/>
+            <a:r>
+              <a:rPr lang="es-PE" dirty="0" smtClean="0"/>
+              <a:t>Elegir serie de desembolso</a:t>
+            </a:r>
+            <a:endParaRPr lang="es-PE" dirty="0"/>
+          </a:p>
+        </p:txBody>
+      </p:sp>
+      <p:sp>
+        <p:nvSpPr>
+          <p:cNvPr id="5" name="4 Cruz"/>
+          <p:cNvSpPr/>
+          <p:nvPr/>
+        </p:nvSpPr>
+        <p:spPr>
+          <a:xfrm>
+            <a:off x="2589243" y="2871233"/>
+            <a:ext cx="581941" cy="528627"/>
+          </a:xfrm>
+          <a:prstGeom prst="plus">
+            <a:avLst>
+              <a:gd name="adj" fmla="val 35448"/>
+            </a:avLst>
+          </a:prstGeom>
+        </p:spPr>
+        <p:style>
+          <a:lnRef idx="2">
+            <a:schemeClr val="accent6">
+              <a:shade val="50000"/>
+            </a:schemeClr>
+          </a:lnRef>
+          <a:fillRef idx="1">
+            <a:schemeClr val="accent6"/>
+          </a:fillRef>
+          <a:effectRef idx="0">
+            <a:schemeClr val="accent6"/>
+          </a:effectRef>
+          <a:fontRef idx="minor">
+            <a:schemeClr val="lt1"/>
+          </a:fontRef>
+        </p:style>
+        <p:txBody>
+          <a:bodyPr rtlCol="0" anchor="ctr"/>
+          <a:lstStyle/>
+          <a:p>
+            <a:pPr algn="ctr"/>
+            <a:endParaRPr lang="es-PE"/>
+          </a:p>
+        </p:txBody>
+      </p:sp>
+      <p:sp>
+        <p:nvSpPr>
+          <p:cNvPr id="6" name="5 Cerrar llave"/>
+          <p:cNvSpPr/>
+          <p:nvPr/>
+        </p:nvSpPr>
+        <p:spPr>
+          <a:xfrm rot="5400000">
+            <a:off x="4322314" y="671593"/>
+            <a:ext cx="570186" cy="6336704"/>
+          </a:xfrm>
+          <a:prstGeom prst="rightBrace">
+            <a:avLst>
+              <a:gd name="adj1" fmla="val 68172"/>
+              <a:gd name="adj2" fmla="val 50646"/>
+            </a:avLst>
+          </a:prstGeom>
+        </p:spPr>
+        <p:style>
+          <a:lnRef idx="1">
+            <a:schemeClr val="accent1"/>
+          </a:lnRef>
+          <a:fillRef idx="0">
+            <a:schemeClr val="accent1"/>
+          </a:fillRef>
+          <a:effectRef idx="0">
+            <a:schemeClr val="accent1"/>
+          </a:effectRef>
+          <a:fontRef idx="minor">
+            <a:schemeClr val="tx1"/>
+          </a:fontRef>
+        </p:style>
+        <p:txBody>
+          <a:bodyPr rtlCol="0" anchor="ctr"/>
+          <a:lstStyle/>
+          <a:p>
+            <a:pPr algn="ctr"/>
+            <a:endParaRPr lang="es-PE"/>
+          </a:p>
+        </p:txBody>
+      </p:sp>
+      <p:grpSp>
+        <p:nvGrpSpPr>
+          <p:cNvPr id="11" name="10 Grupo"/>
+          <p:cNvGrpSpPr/>
+          <p:nvPr/>
+        </p:nvGrpSpPr>
+        <p:grpSpPr>
+          <a:xfrm>
+            <a:off x="3491880" y="2263631"/>
+            <a:ext cx="5071447" cy="1291221"/>
+            <a:chOff x="3491880" y="2263631"/>
+            <a:chExt cx="5071447" cy="1291221"/>
+          </a:xfrm>
+        </p:grpSpPr>
+        <p:sp>
+          <p:nvSpPr>
+            <p:cNvPr id="8" name="7 Rectángulo redondeado"/>
+            <p:cNvSpPr/>
+            <p:nvPr/>
+          </p:nvSpPr>
+          <p:spPr>
+            <a:xfrm>
+              <a:off x="3491880" y="2643525"/>
+              <a:ext cx="5071447" cy="911327"/>
+            </a:xfrm>
+            <a:prstGeom prst="roundRect">
+              <a:avLst/>
+            </a:prstGeom>
+          </p:spPr>
+          <p:style>
+            <a:lnRef idx="2">
+              <a:schemeClr val="dk1"/>
+            </a:lnRef>
+            <a:fillRef idx="1">
+              <a:schemeClr val="lt1"/>
+            </a:fillRef>
+            <a:effectRef idx="0">
+              <a:schemeClr val="dk1"/>
+            </a:effectRef>
+            <a:fontRef idx="minor">
+              <a:schemeClr val="dk1"/>
+            </a:fontRef>
+          </p:style>
+          <p:txBody>
+            <a:bodyPr rtlCol="0" anchor="ctr"/>
+            <a:lstStyle/>
+            <a:p>
+              <a:pPr algn="ctr"/>
+              <a:endParaRPr lang="es-PE" dirty="0"/>
+            </a:p>
+          </p:txBody>
+        </p:sp>
+        <p:sp>
+          <p:nvSpPr>
+            <p:cNvPr id="27" name="26 Rectángulo redondeado"/>
+            <p:cNvSpPr/>
+            <p:nvPr/>
+          </p:nvSpPr>
+          <p:spPr>
+            <a:xfrm>
+              <a:off x="3589462" y="2804580"/>
+              <a:ext cx="1766742" cy="595280"/>
+            </a:xfrm>
+            <a:prstGeom prst="roundRect">
+              <a:avLst/>
+            </a:prstGeom>
+          </p:spPr>
+          <p:style>
+            <a:lnRef idx="2">
+              <a:schemeClr val="accent1">
+                <a:shade val="50000"/>
+              </a:schemeClr>
+            </a:lnRef>
+            <a:fillRef idx="1">
+              <a:schemeClr val="accent1"/>
+            </a:fillRef>
+            <a:effectRef idx="0">
+              <a:schemeClr val="accent1"/>
+            </a:effectRef>
+            <a:fontRef idx="minor">
+              <a:schemeClr val="lt1"/>
+            </a:fontRef>
+          </p:style>
+          <p:txBody>
+            <a:bodyPr rtlCol="0" anchor="ctr"/>
+            <a:lstStyle/>
+            <a:p>
+              <a:pPr algn="ctr"/>
+              <a:r>
+                <a:rPr lang="es-PE" dirty="0" smtClean="0"/>
+                <a:t>Elegir responsable </a:t>
+              </a:r>
+              <a:endParaRPr lang="es-PE" dirty="0"/>
+            </a:p>
+          </p:txBody>
+        </p:sp>
+        <p:sp>
+          <p:nvSpPr>
+            <p:cNvPr id="34" name="33 Rectángulo redondeado"/>
+            <p:cNvSpPr/>
+            <p:nvPr/>
+          </p:nvSpPr>
+          <p:spPr>
+            <a:xfrm>
+              <a:off x="6660232" y="2792040"/>
+              <a:ext cx="1766742" cy="595280"/>
+            </a:xfrm>
+            <a:prstGeom prst="roundRect">
+              <a:avLst/>
+            </a:prstGeom>
+          </p:spPr>
+          <p:style>
+            <a:lnRef idx="2">
+              <a:schemeClr val="accent1">
+                <a:shade val="50000"/>
+              </a:schemeClr>
+            </a:lnRef>
+            <a:fillRef idx="1">
+              <a:schemeClr val="accent1"/>
+            </a:fillRef>
+            <a:effectRef idx="0">
+              <a:schemeClr val="accent1"/>
+            </a:effectRef>
+            <a:fontRef idx="minor">
+              <a:schemeClr val="lt1"/>
+            </a:fontRef>
+          </p:style>
+          <p:txBody>
+            <a:bodyPr rtlCol="0" anchor="ctr"/>
+            <a:lstStyle/>
+            <a:p>
+              <a:pPr algn="ctr"/>
+              <a:r>
+                <a:rPr lang="es-PE" dirty="0" smtClean="0"/>
+                <a:t>Elegir lugar/Obra</a:t>
+              </a:r>
+              <a:endParaRPr lang="es-PE" dirty="0"/>
+            </a:p>
+          </p:txBody>
+        </p:sp>
+        <p:sp>
+          <p:nvSpPr>
+            <p:cNvPr id="35" name="34 Cruz"/>
+            <p:cNvSpPr/>
+            <p:nvPr/>
+          </p:nvSpPr>
+          <p:spPr>
+            <a:xfrm>
+              <a:off x="5649386" y="2837906"/>
+              <a:ext cx="581941" cy="528627"/>
+            </a:xfrm>
+            <a:prstGeom prst="plus">
+              <a:avLst>
+                <a:gd name="adj" fmla="val 35448"/>
+              </a:avLst>
+            </a:prstGeom>
+          </p:spPr>
+          <p:style>
+            <a:lnRef idx="2">
+              <a:schemeClr val="accent6">
+                <a:shade val="50000"/>
+              </a:schemeClr>
+            </a:lnRef>
+            <a:fillRef idx="1">
+              <a:schemeClr val="accent6"/>
+            </a:fillRef>
+            <a:effectRef idx="0">
+              <a:schemeClr val="accent6"/>
+            </a:effectRef>
+            <a:fontRef idx="minor">
+              <a:schemeClr val="lt1"/>
+            </a:fontRef>
+          </p:style>
+          <p:txBody>
+            <a:bodyPr rtlCol="0" anchor="ctr"/>
+            <a:lstStyle/>
+            <a:p>
+              <a:pPr algn="ctr"/>
+              <a:endParaRPr lang="es-PE"/>
+            </a:p>
+          </p:txBody>
+        </p:sp>
+        <p:sp>
+          <p:nvSpPr>
+            <p:cNvPr id="9" name="8 CuadroTexto"/>
+            <p:cNvSpPr txBox="1"/>
+            <p:nvPr/>
+          </p:nvSpPr>
+          <p:spPr>
+            <a:xfrm>
+              <a:off x="4886206" y="2263631"/>
+              <a:ext cx="2108300" cy="369332"/>
+            </a:xfrm>
+            <a:prstGeom prst="rect">
+              <a:avLst/>
+            </a:prstGeom>
+            <a:noFill/>
+          </p:spPr>
+          <p:txBody>
+            <a:bodyPr wrap="square" rtlCol="0">
+              <a:spAutoFit/>
+            </a:bodyPr>
+            <a:lstStyle/>
+            <a:p>
+              <a:r>
+                <a:rPr lang="es-PE" dirty="0" smtClean="0">
+                  <a:solidFill>
+                    <a:schemeClr val="tx1">
+                      <a:lumMod val="95000"/>
+                      <a:lumOff val="5000"/>
+                    </a:schemeClr>
+                  </a:solidFill>
+                </a:rPr>
+                <a:t>Re configurable</a:t>
+              </a:r>
+              <a:endParaRPr lang="es-PE" dirty="0">
+                <a:solidFill>
+                  <a:schemeClr val="tx1">
+                    <a:lumMod val="95000"/>
+                    <a:lumOff val="5000"/>
+                  </a:schemeClr>
+                </a:solidFill>
+              </a:endParaRPr>
+            </a:p>
+          </p:txBody>
+        </p:sp>
+      </p:grpSp>
+    </p:spTree>
+    <p:extLst>
+      <p:ext uri="{BB962C8B-B14F-4D97-AF65-F5344CB8AC3E}">
+        <p14:creationId xmlns:p14="http://schemas.microsoft.com/office/powerpoint/2010/main" val="3364431218"/>
+      </p:ext>
+    </p:extLst>
+  </p:cSld>
+  <p:clrMapOvr>
+    <a:masterClrMapping/>
+  </p:clrMapOvr>
+  <p:timing>
+    <p:tnLst>
+      <p:par>
+        <p:cTn id="1" dur="indefinite" restart="never" nodeType="tmRoot">
+          <p:childTnLst>
+            <p:seq concurrent="1" nextAc="seek">
+              <p:cTn id="2" dur="indefinite" nodeType="mainSeq">
+                <p:childTnLst>
+                  <p:par>
+                    <p:cTn id="3" fill="hold">
+                      <p:stCondLst>
+                        <p:cond delay="indefinite"/>
+                      </p:stCondLst>
+                      <p:childTnLst>
+                        <p:par>
+                          <p:cTn id="4" fill="hold">
+                            <p:stCondLst>
+                              <p:cond delay="0"/>
+                            </p:stCondLst>
+                            <p:childTnLst>
+                              <p:par>
+                                <p:cTn id="5" presetID="1" presetClass="entr" presetSubtype="0" fill="hold" grpId="0" nodeType="clickEffect">
+                                  <p:stCondLst>
+                                    <p:cond delay="0"/>
+                                  </p:stCondLst>
+                                  <p:childTnLst>
+                                    <p:set>
+                                      <p:cBhvr>
+                                        <p:cTn id="6" dur="1" fill="hold">
+                                          <p:stCondLst>
+                                            <p:cond delay="0"/>
+                                          </p:stCondLst>
+                                        </p:cTn>
+                                        <p:tgtEl>
+                                          <p:spTgt spid="3"/>
+                                        </p:tgtEl>
+                                        <p:attrNameLst>
+                                          <p:attrName>style.visibility</p:attrName>
+                                        </p:attrNameLst>
+                                      </p:cBhvr>
+                                      <p:to>
+                                        <p:strVal val="visible"/>
+                                      </p:to>
+                                    </p:set>
+                                  </p:childTnLst>
+                                </p:cTn>
+                              </p:par>
+                            </p:childTnLst>
+                          </p:cTn>
+                        </p:par>
+                      </p:childTnLst>
+                    </p:cTn>
+                  </p:par>
+                  <p:par>
+                    <p:cTn id="7" fill="hold">
+                      <p:stCondLst>
+                        <p:cond delay="indefinite"/>
+                      </p:stCondLst>
+                      <p:childTnLst>
+                        <p:par>
+                          <p:cTn id="8" fill="hold">
+                            <p:stCondLst>
+                              <p:cond delay="0"/>
+                            </p:stCondLst>
+                            <p:childTnLst>
+                              <p:par>
+                                <p:cTn id="9" presetID="1" presetClass="entr" presetSubtype="0" fill="hold" grpId="0" nodeType="clickEffect">
+                                  <p:stCondLst>
+                                    <p:cond delay="0"/>
+                                  </p:stCondLst>
+                                  <p:childTnLst>
+                                    <p:set>
+                                      <p:cBhvr>
+                                        <p:cTn id="10" dur="1" fill="hold">
+                                          <p:stCondLst>
+                                            <p:cond delay="0"/>
+                                          </p:stCondLst>
+                                        </p:cTn>
+                                        <p:tgtEl>
+                                          <p:spTgt spid="5"/>
+                                        </p:tgtEl>
+                                        <p:attrNameLst>
+                                          <p:attrName>style.visibility</p:attrName>
+                                        </p:attrNameLst>
+                                      </p:cBhvr>
+                                      <p:to>
+                                        <p:strVal val="visible"/>
+                                      </p:to>
+                                    </p:set>
+                                  </p:childTnLst>
+                                </p:cTn>
+                              </p:par>
+                            </p:childTnLst>
+                          </p:cTn>
+                        </p:par>
+                      </p:childTnLst>
+                    </p:cTn>
+                  </p:par>
+                  <p:par>
+                    <p:cTn id="11" fill="hold">
+                      <p:stCondLst>
+                        <p:cond delay="indefinite"/>
+                      </p:stCondLst>
+                      <p:childTnLst>
+                        <p:par>
+                          <p:cTn id="12" fill="hold">
+                            <p:stCondLst>
+                              <p:cond delay="0"/>
+                            </p:stCondLst>
+                            <p:childTnLst>
+                              <p:par>
+                                <p:cTn id="13" presetID="1" presetClass="entr" presetSubtype="0" fill="hold" nodeType="clickEffect">
+                                  <p:stCondLst>
+                                    <p:cond delay="0"/>
+                                  </p:stCondLst>
+                                  <p:childTnLst>
+                                    <p:set>
+                                      <p:cBhvr>
+                                        <p:cTn id="14" dur="1" fill="hold">
+                                          <p:stCondLst>
+                                            <p:cond delay="0"/>
+                                          </p:stCondLst>
+                                        </p:cTn>
+                                        <p:tgtEl>
+                                          <p:spTgt spid="11"/>
+                                        </p:tgtEl>
+                                        <p:attrNameLst>
+                                          <p:attrName>style.visibility</p:attrName>
+                                        </p:attrNameLst>
+                                      </p:cBhvr>
+                                      <p:to>
+                                        <p:strVal val="visible"/>
+                                      </p:to>
+                                    </p:set>
+                                  </p:childTnLst>
+                                </p:cTn>
+                              </p:par>
+                            </p:childTnLst>
+                          </p:cTn>
+                        </p:par>
+                      </p:childTnLst>
+                    </p:cTn>
+                  </p:par>
+                  <p:par>
+                    <p:cTn id="15" fill="hold">
+                      <p:stCondLst>
+                        <p:cond delay="indefinite"/>
+                      </p:stCondLst>
+                      <p:childTnLst>
+                        <p:par>
+                          <p:cTn id="16" fill="hold">
+                            <p:stCondLst>
+                              <p:cond delay="0"/>
+                            </p:stCondLst>
+                            <p:childTnLst>
+                              <p:par>
+                                <p:cTn id="17" presetID="1" presetClass="entr" presetSubtype="0" fill="hold" grpId="0" nodeType="clickEffect">
+                                  <p:stCondLst>
+                                    <p:cond delay="0"/>
+                                  </p:stCondLst>
+                                  <p:childTnLst>
+                                    <p:set>
+                                      <p:cBhvr>
+                                        <p:cTn id="18" dur="1" fill="hold">
+                                          <p:stCondLst>
+                                            <p:cond delay="0"/>
+                                          </p:stCondLst>
+                                        </p:cTn>
+                                        <p:tgtEl>
+                                          <p:spTgt spid="6"/>
+                                        </p:tgtEl>
+                                        <p:attrNameLst>
+                                          <p:attrName>style.visibility</p:attrName>
+                                        </p:attrNameLst>
+                                      </p:cBhvr>
+                                      <p:to>
+                                        <p:strVal val="visible"/>
+                                      </p:to>
+                                    </p:set>
+                                  </p:childTnLst>
+                                </p:cTn>
+                              </p:par>
+                            </p:childTnLst>
+                          </p:cTn>
+                        </p:par>
+                      </p:childTnLst>
+                    </p:cTn>
+                  </p:par>
+                  <p:par>
+                    <p:cTn id="19" fill="hold">
+                      <p:stCondLst>
+                        <p:cond delay="indefinite"/>
+                      </p:stCondLst>
+                      <p:childTnLst>
+                        <p:par>
+                          <p:cTn id="20" fill="hold">
+                            <p:stCondLst>
+                              <p:cond delay="0"/>
+                            </p:stCondLst>
+                            <p:childTnLst>
+                              <p:par>
+                                <p:cTn id="21" presetID="1" presetClass="entr" presetSubtype="0" fill="hold" nodeType="clickEffect">
+                                  <p:stCondLst>
+                                    <p:cond delay="0"/>
+                                  </p:stCondLst>
+                                  <p:childTnLst>
+                                    <p:set>
+                                      <p:cBhvr>
+                                        <p:cTn id="22" dur="1" fill="hold">
+                                          <p:stCondLst>
+                                            <p:cond delay="0"/>
+                                          </p:stCondLst>
+                                        </p:cTn>
+                                        <p:tgtEl>
+                                          <p:spTgt spid="24"/>
+                                        </p:tgtEl>
+                                        <p:attrNameLst>
+                                          <p:attrName>style.visibility</p:attrName>
+                                        </p:attrNameLst>
+                                      </p:cBhvr>
+                                      <p:to>
+                                        <p:strVal val="visible"/>
+                                      </p:to>
+                                    </p:set>
+                                  </p:childTnLst>
+                                </p:cTn>
+                              </p:par>
+                            </p:childTnLst>
+                          </p:cTn>
+                        </p:par>
+                      </p:childTnLst>
+                    </p:cTn>
+                  </p:par>
+                </p:childTnLst>
+              </p:cTn>
+              <p:prevCondLst>
+                <p:cond evt="onPrev" delay="0">
+                  <p:tgtEl>
+                    <p:sldTgt/>
+                  </p:tgtEl>
+                </p:cond>
+              </p:prevCondLst>
+              <p:nextCondLst>
+                <p:cond evt="onNext" delay="0">
+                  <p:tgtEl>
+                    <p:sldTgt/>
+                  </p:tgtEl>
+                </p:cond>
+              </p:nextCondLst>
+            </p:seq>
+          </p:childTnLst>
+        </p:cTn>
+      </p:par>
+    </p:tnLst>
+    <p:bldLst>
+      <p:bldP spid="3" grpId="0" animBg="1"/>
+      <p:bldP spid="5" grpId="0" animBg="1"/>
+      <p:bldP spid="6" grpId="0" animBg="1"/>
+    </p:bldLst>
+  </p:timing>
+</p:sld>
+</file>
+
+<file path=ppt/slides/slide3.xml><?xml version="1.0" encoding="utf-8"?>
+<p:sld xmlns:a="http://schemas.openxmlformats.org/drawingml/2006/main" xmlns:r="http://schemas.openxmlformats.org/officeDocument/2006/relationships" xmlns:p="http://schemas.openxmlformats.org/presentationml/2006/main">
+  <p:cSld>
+    <p:spTree>
+      <p:nvGrpSpPr>
+        <p:cNvPr id="1" name=""/>
+        <p:cNvGrpSpPr/>
+        <p:nvPr/>
+      </p:nvGrpSpPr>
+      <p:grpSpPr>
+        <a:xfrm>
+          <a:off x="0" y="0"/>
+          <a:ext cx="0" cy="0"/>
+          <a:chOff x="0" y="0"/>
+          <a:chExt cx="0" cy="0"/>
+        </a:xfrm>
+      </p:grpSpPr>
+      <p:sp>
+        <p:nvSpPr>
+          <p:cNvPr id="2" name="1 Título"/>
+          <p:cNvSpPr>
+            <a:spLocks noGrp="1"/>
+          </p:cNvSpPr>
+          <p:nvPr>
+            <p:ph type="ctrTitle"/>
+          </p:nvPr>
+        </p:nvSpPr>
+        <p:spPr/>
+        <p:txBody>
+          <a:bodyPr/>
+          <a:lstStyle/>
+          <a:p>
+            <a:r>
+              <a:rPr lang="es-PE" dirty="0" smtClean="0"/>
+              <a:t>Proceso de Cajas chicas</a:t>
+            </a:r>
+            <a:endParaRPr lang="es-PE" dirty="0"/>
+          </a:p>
+        </p:txBody>
+      </p:sp>
+      <p:sp>
+        <p:nvSpPr>
+          <p:cNvPr id="3" name="2 Subtítulo"/>
+          <p:cNvSpPr>
+            <a:spLocks noGrp="1"/>
+          </p:cNvSpPr>
+          <p:nvPr>
+            <p:ph type="subTitle" idx="1"/>
+          </p:nvPr>
+        </p:nvSpPr>
+        <p:spPr/>
+        <p:txBody>
+          <a:bodyPr/>
+          <a:lstStyle/>
+          <a:p>
+            <a:endParaRPr lang="es-PE"/>
+          </a:p>
+        </p:txBody>
+      </p:sp>
+    </p:spTree>
+    <p:extLst>
+      <p:ext uri="{BB962C8B-B14F-4D97-AF65-F5344CB8AC3E}">
+        <p14:creationId xmlns:p14="http://schemas.microsoft.com/office/powerpoint/2010/main" val="1682546585"/>
+      </p:ext>
+    </p:extLst>
+  </p:cSld>
+  <p:clrMapOvr>
+    <a:masterClrMapping/>
+  </p:clrMapOvr>
+  <p:timing>
+    <p:tnLst>
+      <p:par>
+        <p:cTn id="1" dur="indefinite" restart="never" nodeType="tmRoot"/>
+      </p:par>
+    </p:tnLst>
+  </p:timing>
+</p:sld>
+</file>
+
+<file path=ppt/slides/slide4.xml><?xml version="1.0" encoding="utf-8"?>
+<p:sld xmlns:a="http://schemas.openxmlformats.org/drawingml/2006/main" xmlns:r="http://schemas.openxmlformats.org/officeDocument/2006/relationships" xmlns:p="http://schemas.openxmlformats.org/presentationml/2006/main">
+  <p:cSld>
+    <p:spTree>
+      <p:nvGrpSpPr>
+        <p:cNvPr id="1" name=""/>
+        <p:cNvGrpSpPr/>
+        <p:nvPr/>
+      </p:nvGrpSpPr>
+      <p:grpSpPr>
+        <a:xfrm>
+          <a:off x="0" y="0"/>
+          <a:ext cx="0" cy="0"/>
+          <a:chOff x="0" y="0"/>
+          <a:chExt cx="0" cy="0"/>
+        </a:xfrm>
+      </p:grpSpPr>
+      <p:sp>
+        <p:nvSpPr>
+          <p:cNvPr id="2" name="1 Título"/>
+          <p:cNvSpPr>
+            <a:spLocks noGrp="1"/>
+          </p:cNvSpPr>
+          <p:nvPr>
+            <p:ph type="title"/>
+          </p:nvPr>
+        </p:nvSpPr>
+        <p:spPr/>
+        <p:txBody>
+          <a:bodyPr/>
+          <a:lstStyle/>
+          <a:p>
+            <a:r>
+              <a:rPr lang="es-PE" dirty="0" smtClean="0"/>
+              <a:t>Ingreso de </a:t>
+            </a:r>
+            <a:r>
+              <a:rPr lang="es-PE" dirty="0"/>
+              <a:t>d</a:t>
+            </a:r>
+            <a:r>
+              <a:rPr lang="es-PE" dirty="0" smtClean="0"/>
+              <a:t>inero a caja chica</a:t>
             </a:r>
             <a:endParaRPr lang="es-PE" dirty="0"/>
           </a:p>
@@ -3961,10 +5905,10 @@
         </p:nvGrpSpPr>
         <p:grpSpPr>
           <a:xfrm>
-            <a:off x="450304" y="2152004"/>
-            <a:ext cx="1719656" cy="1679368"/>
+            <a:off x="463309" y="2097217"/>
+            <a:ext cx="2222596" cy="1679368"/>
             <a:chOff x="543591" y="2052573"/>
-            <a:chExt cx="1719656" cy="1679368"/>
+            <a:chExt cx="2222596" cy="1679368"/>
           </a:xfrm>
         </p:grpSpPr>
         <p:pic>
@@ -3991,7 +5935,7 @@
           <p:spPr bwMode="auto">
             <a:xfrm>
               <a:off x="556596" y="2451953"/>
-              <a:ext cx="1706651" cy="1279988"/>
+              <a:ext cx="2073806" cy="1279988"/>
             </a:xfrm>
             <a:prstGeom prst="rect">
               <a:avLst/>
@@ -4017,7 +5961,7 @@
           <p:spPr>
             <a:xfrm>
               <a:off x="543591" y="2052573"/>
-              <a:ext cx="1666418" cy="369332"/>
+              <a:ext cx="2222596" cy="323165"/>
             </a:xfrm>
             <a:prstGeom prst="rect">
               <a:avLst/>
@@ -4030,10 +5974,22 @@
             <a:lstStyle/>
             <a:p>
               <a:r>
-                <a:rPr lang="es-PE" dirty="0" smtClean="0"/>
-                <a:t>Solicita Dinero</a:t>
+                <a:rPr lang="es-PE" sz="1500" dirty="0" err="1" smtClean="0"/>
+                <a:t>Adm</a:t>
               </a:r>
-              <a:endParaRPr lang="es-PE" dirty="0"/>
+              <a:r>
+                <a:rPr lang="es-PE" sz="1500" dirty="0" smtClean="0"/>
+                <a:t>. caja solicita </a:t>
+              </a:r>
+              <a:r>
+                <a:rPr lang="es-PE" sz="1500" dirty="0"/>
+                <a:t>d</a:t>
+              </a:r>
+              <a:r>
+                <a:rPr lang="es-PE" sz="1500" dirty="0" smtClean="0"/>
+                <a:t>inero</a:t>
+              </a:r>
+              <a:endParaRPr lang="es-PE" sz="1500" dirty="0"/>
             </a:p>
           </p:txBody>
         </p:sp>
@@ -4047,9 +6003,9 @@
         <p:grpSpPr>
           <a:xfrm>
             <a:off x="335554" y="4501647"/>
-            <a:ext cx="1962159" cy="2281059"/>
+            <a:ext cx="2214566" cy="2281059"/>
             <a:chOff x="3090906" y="2323235"/>
-            <a:chExt cx="1962159" cy="2281059"/>
+            <a:chExt cx="2214566" cy="2281059"/>
           </a:xfrm>
         </p:grpSpPr>
         <p:pic>
@@ -4090,8 +6046,8 @@
           </p:nvSpPr>
           <p:spPr>
             <a:xfrm>
-              <a:off x="3193989" y="2323235"/>
-              <a:ext cx="1755994" cy="369332"/>
+              <a:off x="3103394" y="2323235"/>
+              <a:ext cx="2202078" cy="323165"/>
             </a:xfrm>
             <a:prstGeom prst="rect">
               <a:avLst/>
@@ -4104,10 +6060,10 @@
             <a:lstStyle/>
             <a:p>
               <a:r>
-                <a:rPr lang="es-PE" dirty="0" smtClean="0"/>
-                <a:t>Revisa Gerencia</a:t>
+                <a:rPr lang="es-PE" sz="1500" dirty="0" smtClean="0"/>
+                <a:t>Gerencia revisa solicitud</a:t>
               </a:r>
-              <a:endParaRPr lang="es-PE" dirty="0"/>
+              <a:endParaRPr lang="es-PE" sz="1500" dirty="0"/>
             </a:p>
           </p:txBody>
         </p:sp>
@@ -4120,10 +6076,10 @@
         </p:nvGrpSpPr>
         <p:grpSpPr>
           <a:xfrm>
-            <a:off x="5963841" y="4227489"/>
-            <a:ext cx="2358720" cy="1942952"/>
-            <a:chOff x="6000811" y="4234962"/>
-            <a:chExt cx="2358720" cy="1942952"/>
+            <a:off x="5963841" y="4242366"/>
+            <a:ext cx="2422136" cy="1928075"/>
+            <a:chOff x="6000811" y="4249839"/>
+            <a:chExt cx="2422136" cy="1928075"/>
           </a:xfrm>
         </p:grpSpPr>
         <p:pic>
@@ -4164,8 +6120,8 @@
           </p:nvSpPr>
           <p:spPr>
             <a:xfrm>
-              <a:off x="6346962" y="4234962"/>
-              <a:ext cx="1785682" cy="369332"/>
+              <a:off x="6056658" y="4249839"/>
+              <a:ext cx="2366289" cy="323165"/>
             </a:xfrm>
             <a:prstGeom prst="rect">
               <a:avLst/>
@@ -4178,10 +6134,22 @@
             <a:lstStyle/>
             <a:p>
               <a:r>
-                <a:rPr lang="es-PE" dirty="0" smtClean="0"/>
-                <a:t>Registra Ingreso</a:t>
+                <a:rPr lang="es-PE" sz="1500" dirty="0" err="1" smtClean="0"/>
+                <a:t>Adm</a:t>
               </a:r>
-              <a:endParaRPr lang="es-PE" dirty="0"/>
+              <a:r>
+                <a:rPr lang="es-PE" sz="1500" dirty="0" smtClean="0"/>
+                <a:t>. Caja registra </a:t>
+              </a:r>
+              <a:r>
+                <a:rPr lang="es-PE" sz="1500" dirty="0"/>
+                <a:t>i</a:t>
+              </a:r>
+              <a:r>
+                <a:rPr lang="es-PE" sz="1500" dirty="0" smtClean="0"/>
+                <a:t>ngreso</a:t>
+              </a:r>
+              <a:endParaRPr lang="es-PE" sz="1500" dirty="0"/>
             </a:p>
           </p:txBody>
         </p:sp>
@@ -4194,10 +6162,10 @@
         </p:nvGrpSpPr>
         <p:grpSpPr>
           <a:xfrm>
-            <a:off x="3052546" y="2984392"/>
-            <a:ext cx="2156937" cy="1970127"/>
+            <a:off x="3052546" y="2476334"/>
+            <a:ext cx="2049728" cy="1970127"/>
             <a:chOff x="450304" y="4462989"/>
-            <a:chExt cx="2156937" cy="1970127"/>
+            <a:chExt cx="2049728" cy="1970127"/>
           </a:xfrm>
         </p:grpSpPr>
         <p:pic>
@@ -4239,7 +6207,7 @@
           <p:spPr>
             <a:xfrm>
               <a:off x="450304" y="4462989"/>
-              <a:ext cx="2156937" cy="369332"/>
+              <a:ext cx="2049728" cy="323165"/>
             </a:xfrm>
             <a:prstGeom prst="rect">
               <a:avLst/>
@@ -4252,10 +6220,18 @@
             <a:lstStyle/>
             <a:p>
               <a:r>
-                <a:rPr lang="es-PE" dirty="0" smtClean="0"/>
-                <a:t>Realiza Desembolso</a:t>
+                <a:rPr lang="es-PE" sz="1500" dirty="0" smtClean="0"/>
+                <a:t> </a:t>
               </a:r>
-              <a:endParaRPr lang="es-PE" dirty="0"/>
+              <a:r>
+                <a:rPr lang="es-PE" sz="1500" dirty="0" smtClean="0"/>
+                <a:t>Tesorería </a:t>
+              </a:r>
+              <a:r>
+                <a:rPr lang="es-PE" sz="1500" dirty="0" smtClean="0"/>
+                <a:t> desembolsa</a:t>
+              </a:r>
+              <a:endParaRPr lang="es-PE" sz="1500" dirty="0"/>
             </a:p>
           </p:txBody>
         </p:sp>
@@ -4268,10 +6244,10 @@
         </p:nvGrpSpPr>
         <p:grpSpPr>
           <a:xfrm>
-            <a:off x="5796393" y="2052573"/>
-            <a:ext cx="2809784" cy="1520443"/>
-            <a:chOff x="5275172" y="940758"/>
-            <a:chExt cx="3331005" cy="1711815"/>
+            <a:off x="5865398" y="2052573"/>
+            <a:ext cx="2720619" cy="1508474"/>
+            <a:chOff x="5356973" y="940758"/>
+            <a:chExt cx="3225297" cy="1698339"/>
           </a:xfrm>
         </p:grpSpPr>
         <p:pic>
@@ -4297,8 +6273,8 @@
           </p:blipFill>
           <p:spPr bwMode="auto">
             <a:xfrm>
-              <a:off x="5275172" y="1279795"/>
-              <a:ext cx="1904999" cy="1347787"/>
+              <a:off x="5356973" y="1291310"/>
+              <a:ext cx="1823198" cy="1347787"/>
             </a:xfrm>
             <a:prstGeom prst="rect">
               <a:avLst/>
@@ -4323,8 +6299,8 @@
           </p:nvSpPr>
           <p:spPr>
             <a:xfrm>
-              <a:off x="5796393" y="940758"/>
-              <a:ext cx="2150845" cy="369332"/>
+              <a:off x="5356973" y="940758"/>
+              <a:ext cx="3225297" cy="363840"/>
             </a:xfrm>
             <a:prstGeom prst="rect">
               <a:avLst/>
@@ -4337,10 +6313,14 @@
             <a:lstStyle/>
             <a:p>
               <a:r>
-                <a:rPr lang="es-PE" dirty="0" smtClean="0"/>
-                <a:t>Realiza transacción </a:t>
+                <a:rPr lang="es-PE" sz="1500" dirty="0" err="1" smtClean="0"/>
+                <a:t>Adm</a:t>
               </a:r>
-              <a:endParaRPr lang="es-PE" dirty="0"/>
+              <a:r>
+                <a:rPr lang="es-PE" sz="1500" dirty="0" smtClean="0"/>
+                <a:t>. caja verifica desembolso </a:t>
+              </a:r>
+              <a:endParaRPr lang="es-PE" sz="1500" dirty="0"/>
             </a:p>
           </p:txBody>
         </p:sp>
@@ -4366,7 +6346,7 @@
           </p:blipFill>
           <p:spPr>
             <a:xfrm>
-              <a:off x="6856720" y="1340480"/>
+              <a:off x="6832813" y="1327003"/>
               <a:ext cx="1749457" cy="1312093"/>
             </a:xfrm>
             <a:prstGeom prst="rect">
@@ -4411,7 +6391,11 @@
           <a:lstStyle/>
           <a:p>
             <a:pPr algn="ctr"/>
-            <a:endParaRPr lang="es-PE"/>
+            <a:r>
+              <a:rPr lang="es-PE" dirty="0" smtClean="0"/>
+              <a:t>1</a:t>
+            </a:r>
+            <a:endParaRPr lang="es-PE" dirty="0"/>
           </a:p>
         </p:txBody>
       </p:sp>
@@ -4451,7 +6435,11 @@
           <a:lstStyle/>
           <a:p>
             <a:pPr algn="ctr"/>
-            <a:endParaRPr lang="es-PE"/>
+            <a:r>
+              <a:rPr lang="es-PE" dirty="0" smtClean="0"/>
+              <a:t>4</a:t>
+            </a:r>
+            <a:endParaRPr lang="es-PE" dirty="0"/>
           </a:p>
         </p:txBody>
       </p:sp>
@@ -4463,7 +6451,7 @@
         </p:nvSpPr>
         <p:spPr>
           <a:xfrm rot="20091219">
-            <a:off x="5124290" y="3176265"/>
+            <a:off x="5124291" y="3219082"/>
             <a:ext cx="669882" cy="484632"/>
           </a:xfrm>
           <a:prstGeom prst="rightArrow">
@@ -4491,7 +6479,11 @@
           <a:lstStyle/>
           <a:p>
             <a:pPr algn="ctr"/>
-            <a:endParaRPr lang="es-PE"/>
+            <a:r>
+              <a:rPr lang="es-PE" sz="1600" dirty="0" smtClean="0"/>
+              <a:t>3</a:t>
+            </a:r>
+            <a:endParaRPr lang="es-PE" sz="1600" dirty="0"/>
           </a:p>
         </p:txBody>
       </p:sp>
@@ -4531,7 +6523,11 @@
           <a:lstStyle/>
           <a:p>
             <a:pPr algn="ctr"/>
-            <a:endParaRPr lang="es-PE"/>
+            <a:r>
+              <a:rPr lang="es-PE" dirty="0" smtClean="0"/>
+              <a:t>2</a:t>
+            </a:r>
+            <a:endParaRPr lang="es-PE" dirty="0"/>
           </a:p>
         </p:txBody>
       </p:sp>
@@ -5021,7 +7017,7 @@
 </p:sld>
 </file>
 
-<file path=ppt/slides/slide3.xml><?xml version="1.0" encoding="utf-8"?>
+<file path=ppt/slides/slide5.xml><?xml version="1.0" encoding="utf-8"?>
 <p:sld xmlns:a="http://schemas.openxmlformats.org/drawingml/2006/main" xmlns:r="http://schemas.openxmlformats.org/officeDocument/2006/relationships" xmlns:p="http://schemas.openxmlformats.org/presentationml/2006/main">
   <p:cSld>
     <p:spTree>
@@ -5055,7 +7051,11 @@
           <a:p>
             <a:r>
               <a:rPr lang="es-PE" dirty="0" smtClean="0"/>
-              <a:t>Egreso de Dinero</a:t>
+              <a:t>Egreso de </a:t>
+            </a:r>
+            <a:r>
+              <a:rPr lang="es-PE" dirty="0" smtClean="0"/>
+              <a:t>dinero de caja chica</a:t>
             </a:r>
             <a:endParaRPr lang="es-PE" dirty="0"/>
           </a:p>
@@ -5070,9 +7070,9 @@
         <p:grpSpPr>
           <a:xfrm>
             <a:off x="162910" y="2744930"/>
-            <a:ext cx="1909056" cy="1877385"/>
+            <a:ext cx="2118722" cy="1877385"/>
             <a:chOff x="162910" y="2744930"/>
-            <a:chExt cx="1909056" cy="1877385"/>
+            <a:chExt cx="2118722" cy="1877385"/>
           </a:xfrm>
         </p:grpSpPr>
         <p:pic>
@@ -5124,8 +7124,8 @@
           </p:nvSpPr>
           <p:spPr>
             <a:xfrm>
-              <a:off x="284229" y="2744930"/>
-              <a:ext cx="1666418" cy="369332"/>
+              <a:off x="162910" y="2744930"/>
+              <a:ext cx="2118722" cy="323165"/>
             </a:xfrm>
             <a:prstGeom prst="rect">
               <a:avLst/>
@@ -5138,10 +7138,10 @@
             <a:lstStyle/>
             <a:p>
               <a:r>
-                <a:rPr lang="es-PE" dirty="0" smtClean="0"/>
-                <a:t>Solicita Dinero</a:t>
+                <a:rPr lang="es-PE" sz="1500" dirty="0" smtClean="0"/>
+                <a:t>Personal solicita dinero</a:t>
               </a:r>
-              <a:endParaRPr lang="es-PE" dirty="0"/>
+              <a:endParaRPr lang="es-PE" sz="1500" dirty="0"/>
             </a:p>
           </p:txBody>
         </p:sp>
@@ -5155,9 +7155,9 @@
         <p:grpSpPr>
           <a:xfrm>
             <a:off x="6208793" y="1949132"/>
-            <a:ext cx="1835000" cy="1667594"/>
+            <a:ext cx="2026925" cy="1667594"/>
             <a:chOff x="6208793" y="1949132"/>
-            <a:chExt cx="1835000" cy="1667594"/>
+            <a:chExt cx="2026925" cy="1667594"/>
           </a:xfrm>
         </p:grpSpPr>
         <p:pic>
@@ -5198,8 +7198,8 @@
           </p:nvSpPr>
           <p:spPr>
             <a:xfrm>
-              <a:off x="6377375" y="1949132"/>
-              <a:ext cx="1445396" cy="369332"/>
+              <a:off x="6215037" y="1949132"/>
+              <a:ext cx="2020681" cy="323165"/>
             </a:xfrm>
             <a:prstGeom prst="rect">
               <a:avLst/>
@@ -5212,10 +7212,22 @@
             <a:lstStyle/>
             <a:p>
               <a:r>
-                <a:rPr lang="es-PE" dirty="0" smtClean="0"/>
-                <a:t>Desembolsa</a:t>
+                <a:rPr lang="es-PE" sz="1500" dirty="0" err="1" smtClean="0"/>
+                <a:t>Adm</a:t>
               </a:r>
-              <a:endParaRPr lang="es-PE" dirty="0"/>
+              <a:r>
+                <a:rPr lang="es-PE" sz="1500" dirty="0" smtClean="0"/>
+                <a:t>. </a:t>
+              </a:r>
+              <a:r>
+                <a:rPr lang="es-PE" sz="1500" dirty="0"/>
+                <a:t>c</a:t>
+              </a:r>
+              <a:r>
+                <a:rPr lang="es-PE" sz="1500" dirty="0" smtClean="0"/>
+                <a:t>aja desembolsa</a:t>
+              </a:r>
+              <a:endParaRPr lang="es-PE" sz="1500" dirty="0"/>
             </a:p>
           </p:txBody>
         </p:sp>
@@ -5228,10 +7240,10 @@
         </p:nvGrpSpPr>
         <p:grpSpPr>
           <a:xfrm>
-            <a:off x="6215037" y="4252983"/>
-            <a:ext cx="1835000" cy="1667594"/>
-            <a:chOff x="6215037" y="4252983"/>
-            <a:chExt cx="1835000" cy="1667594"/>
+            <a:off x="6215036" y="4252982"/>
+            <a:ext cx="2244718" cy="1912322"/>
+            <a:chOff x="6215036" y="4252982"/>
+            <a:chExt cx="2244718" cy="1667595"/>
           </a:xfrm>
         </p:grpSpPr>
         <p:pic>
@@ -5256,8 +7268,8 @@
           </p:blipFill>
           <p:spPr>
             <a:xfrm>
-              <a:off x="6215037" y="4622315"/>
-              <a:ext cx="1835000" cy="1298262"/>
+              <a:off x="6215036" y="4622315"/>
+              <a:ext cx="2101379" cy="1298262"/>
             </a:xfrm>
             <a:prstGeom prst="rect">
               <a:avLst/>
@@ -5272,8 +7284,8 @@
           </p:nvSpPr>
           <p:spPr>
             <a:xfrm>
-              <a:off x="6278970" y="4252983"/>
-              <a:ext cx="1707134" cy="369332"/>
+              <a:off x="6215037" y="4252982"/>
+              <a:ext cx="2244717" cy="323165"/>
             </a:xfrm>
             <a:prstGeom prst="rect">
               <a:avLst/>
@@ -5286,10 +7298,34 @@
             <a:lstStyle/>
             <a:p>
               <a:r>
-                <a:rPr lang="es-PE" dirty="0" smtClean="0"/>
-                <a:t>Registra Egreso</a:t>
+                <a:rPr lang="es-PE" sz="1500" dirty="0" err="1" smtClean="0"/>
+                <a:t>Adm</a:t>
               </a:r>
-              <a:endParaRPr lang="es-PE" dirty="0"/>
+              <a:r>
+                <a:rPr lang="es-PE" sz="1500" dirty="0" smtClean="0"/>
+                <a:t>. </a:t>
+              </a:r>
+              <a:r>
+                <a:rPr lang="es-PE" sz="1500" dirty="0"/>
+                <a:t>c</a:t>
+              </a:r>
+              <a:r>
+                <a:rPr lang="es-PE" sz="1500" dirty="0" smtClean="0"/>
+                <a:t>aja r</a:t>
+              </a:r>
+              <a:r>
+                <a:rPr lang="es-PE" sz="1500" dirty="0" smtClean="0"/>
+                <a:t>egistra </a:t>
+              </a:r>
+              <a:r>
+                <a:rPr lang="es-PE" sz="1500" dirty="0"/>
+                <a:t>e</a:t>
+              </a:r>
+              <a:r>
+                <a:rPr lang="es-PE" sz="1500" dirty="0" smtClean="0"/>
+                <a:t>greso</a:t>
+              </a:r>
+              <a:endParaRPr lang="es-PE" sz="1500" dirty="0"/>
             </a:p>
           </p:txBody>
         </p:sp>
@@ -5330,7 +7366,11 @@
           <a:lstStyle/>
           <a:p>
             <a:pPr algn="ctr"/>
-            <a:endParaRPr lang="es-PE"/>
+            <a:r>
+              <a:rPr lang="es-PE" dirty="0" smtClean="0"/>
+              <a:t>3</a:t>
+            </a:r>
+            <a:endParaRPr lang="es-PE" dirty="0"/>
           </a:p>
         </p:txBody>
       </p:sp>
@@ -5342,7 +7382,7 @@
         </p:nvSpPr>
         <p:spPr>
           <a:xfrm>
-            <a:off x="2342376" y="3620619"/>
+            <a:off x="2281632" y="3620619"/>
             <a:ext cx="669882" cy="484632"/>
           </a:xfrm>
           <a:prstGeom prst="rightArrow">
@@ -5370,7 +7410,11 @@
           <a:lstStyle/>
           <a:p>
             <a:pPr algn="ctr"/>
-            <a:endParaRPr lang="es-PE"/>
+            <a:r>
+              <a:rPr lang="es-PE" dirty="0" smtClean="0"/>
+              <a:t>1</a:t>
+            </a:r>
+            <a:endParaRPr lang="es-PE" dirty="0"/>
           </a:p>
         </p:txBody>
       </p:sp>
@@ -5410,7 +7454,11 @@
           <a:lstStyle/>
           <a:p>
             <a:pPr algn="ctr"/>
-            <a:endParaRPr lang="es-PE"/>
+            <a:r>
+              <a:rPr lang="es-PE" dirty="0" smtClean="0"/>
+              <a:t>2</a:t>
+            </a:r>
+            <a:endParaRPr lang="es-PE" dirty="0"/>
           </a:p>
         </p:txBody>
       </p:sp>
@@ -5422,10 +7470,10 @@
         </p:nvGrpSpPr>
         <p:grpSpPr>
           <a:xfrm>
-            <a:off x="3193989" y="2782929"/>
-            <a:ext cx="1962159" cy="2281059"/>
-            <a:chOff x="3090906" y="2323235"/>
-            <a:chExt cx="1962159" cy="2281059"/>
+            <a:off x="2951514" y="2768067"/>
+            <a:ext cx="2351829" cy="2295921"/>
+            <a:chOff x="2853803" y="2308373"/>
+            <a:chExt cx="2143890" cy="2295921"/>
           </a:xfrm>
         </p:grpSpPr>
         <p:pic>
@@ -5450,8 +7498,8 @@
           </p:blipFill>
           <p:spPr>
             <a:xfrm>
-              <a:off x="3090906" y="2642135"/>
-              <a:ext cx="1962159" cy="1962159"/>
+              <a:off x="2909176" y="2642135"/>
+              <a:ext cx="1979043" cy="1962159"/>
             </a:xfrm>
             <a:prstGeom prst="rect">
               <a:avLst/>
@@ -5466,28 +7514,36 @@
           </p:nvSpPr>
           <p:spPr>
             <a:xfrm>
-              <a:off x="3193989" y="2323235"/>
-              <a:ext cx="1755994" cy="369332"/>
+              <a:off x="2853803" y="2308373"/>
+              <a:ext cx="2143890" cy="323165"/>
             </a:xfrm>
             <a:prstGeom prst="rect">
               <a:avLst/>
             </a:prstGeom>
           </p:spPr>
           <p:txBody>
-            <a:bodyPr wrap="none">
+            <a:bodyPr wrap="square">
               <a:spAutoFit/>
             </a:bodyPr>
             <a:lstStyle/>
             <a:p>
               <a:r>
-                <a:rPr lang="es-PE" dirty="0" smtClean="0">
+                <a:rPr lang="es-PE" sz="1500" dirty="0" smtClean="0">
                   <a:solidFill>
                     <a:srgbClr val="FF0000"/>
                   </a:solidFill>
                 </a:rPr>
-                <a:t>Revisa Gerencia</a:t>
+                <a:t>Gerencia r</a:t>
               </a:r>
-              <a:endParaRPr lang="es-PE" dirty="0">
+              <a:r>
+                <a:rPr lang="es-PE" sz="1500" dirty="0" smtClean="0">
+                  <a:solidFill>
+                    <a:srgbClr val="FF0000"/>
+                  </a:solidFill>
+                </a:rPr>
+                <a:t>evisa solicitud</a:t>
+              </a:r>
+              <a:endParaRPr lang="es-PE" sz="1500" dirty="0">
                 <a:solidFill>
                   <a:srgbClr val="FF0000"/>
                 </a:solidFill>
@@ -5883,7 +7939,7 @@
 </p:sld>
 </file>
 
-<file path=ppt/slides/slide4.xml><?xml version="1.0" encoding="utf-8"?>
+<file path=ppt/slides/slide6.xml><?xml version="1.0" encoding="utf-8"?>
 <p:sld xmlns:a="http://schemas.openxmlformats.org/drawingml/2006/main" xmlns:r="http://schemas.openxmlformats.org/officeDocument/2006/relationships" xmlns:p="http://schemas.openxmlformats.org/presentationml/2006/main">
   <p:cSld>
     <p:spTree>
@@ -5910,200 +7966,267 @@
             <p:ph type="title"/>
           </p:nvPr>
         </p:nvSpPr>
-        <p:spPr/>
-        <p:txBody>
-          <a:bodyPr/>
+        <p:spPr>
+          <a:xfrm>
+            <a:off x="457200" y="704088"/>
+            <a:ext cx="8229600" cy="852704"/>
+          </a:xfrm>
+        </p:spPr>
+        <p:txBody>
+          <a:bodyPr>
+            <a:noAutofit/>
+          </a:bodyPr>
           <a:lstStyle/>
           <a:p>
             <a:r>
-              <a:rPr lang="es-PE" dirty="0" smtClean="0"/>
-              <a:t>Rendición de Cuentas</a:t>
+              <a:rPr lang="es-PE" sz="4000" dirty="0" smtClean="0"/>
+              <a:t>Egreso de </a:t>
             </a:r>
-            <a:endParaRPr lang="es-PE" dirty="0"/>
+            <a:r>
+              <a:rPr lang="es-PE" sz="4000" dirty="0" smtClean="0"/>
+              <a:t>dinero de caja chica - Obra</a:t>
+            </a:r>
+            <a:endParaRPr lang="es-PE" sz="4000" dirty="0"/>
           </a:p>
         </p:txBody>
       </p:sp>
       <p:grpSp>
         <p:nvGrpSpPr>
-          <p:cNvPr id="11" name="10 Grupo"/>
+          <p:cNvPr id="2048" name="2047 Grupo"/>
           <p:cNvGrpSpPr/>
           <p:nvPr/>
         </p:nvGrpSpPr>
         <p:grpSpPr>
           <a:xfrm>
-            <a:off x="647564" y="2347037"/>
-            <a:ext cx="1728192" cy="2096492"/>
-            <a:chOff x="646922" y="2101601"/>
-            <a:chExt cx="1728192" cy="2096492"/>
+            <a:off x="6208793" y="1949132"/>
+            <a:ext cx="2026925" cy="1667594"/>
+            <a:chOff x="6208793" y="1949132"/>
+            <a:chExt cx="2026925" cy="1667594"/>
           </a:xfrm>
         </p:grpSpPr>
         <p:pic>
           <p:nvPicPr>
-            <p:cNvPr id="3075" name="Picture 3" descr="C:\Users\user\Desktop\Caja Chica\cojiendo dinero.jpg"/>
+            <p:cNvPr id="10" name="9 Imagen"/>
             <p:cNvPicPr>
-              <a:picLocks noChangeAspect="1" noChangeArrowheads="1"/>
+              <a:picLocks noChangeAspect="1"/>
             </p:cNvPicPr>
             <p:nvPr/>
           </p:nvPicPr>
           <p:blipFill>
-            <a:blip r:embed="rId2" cstate="print">
+            <a:blip r:embed="rId2">
               <a:extLst>
                 <a:ext uri="{28A0092B-C50C-407E-A947-70E740481C1C}">
                   <a14:useLocalDpi xmlns:a14="http://schemas.microsoft.com/office/drawing/2010/main" val="0"/>
                 </a:ext>
               </a:extLst>
             </a:blip>
-            <a:srcRect/>
             <a:stretch>
               <a:fillRect/>
             </a:stretch>
           </p:blipFill>
-          <p:spPr bwMode="auto">
+          <p:spPr>
             <a:xfrm>
-              <a:off x="646922" y="2469901"/>
-              <a:ext cx="1728192" cy="1728192"/>
+              <a:off x="6208793" y="2318464"/>
+              <a:ext cx="1835000" cy="1298262"/>
             </a:xfrm>
             <a:prstGeom prst="rect">
               <a:avLst/>
             </a:prstGeom>
-            <a:noFill/>
-            <a:extLst>
-              <a:ext uri="{909E8E84-426E-40DD-AFC4-6F175D3DCCD1}">
-                <a14:hiddenFill xmlns:a14="http://schemas.microsoft.com/office/drawing/2010/main">
-                  <a:solidFill>
-                    <a:srgbClr val="FFFFFF"/>
-                  </a:solidFill>
-                </a14:hiddenFill>
-              </a:ext>
-            </a:extLst>
           </p:spPr>
         </p:pic>
         <p:sp>
           <p:nvSpPr>
-            <p:cNvPr id="6" name="5 CuadroTexto"/>
-            <p:cNvSpPr txBox="1"/>
+            <p:cNvPr id="23" name="22 Rectángulo"/>
+            <p:cNvSpPr/>
             <p:nvPr/>
           </p:nvSpPr>
           <p:spPr>
             <a:xfrm>
-              <a:off x="647564" y="2101601"/>
-              <a:ext cx="1656184" cy="369332"/>
+              <a:off x="6215037" y="1949132"/>
+              <a:ext cx="2020681" cy="323165"/>
             </a:xfrm>
             <a:prstGeom prst="rect">
               <a:avLst/>
             </a:prstGeom>
-            <a:noFill/>
           </p:spPr>
           <p:txBody>
-            <a:bodyPr wrap="square" rtlCol="0">
+            <a:bodyPr wrap="none">
               <a:spAutoFit/>
             </a:bodyPr>
             <a:lstStyle/>
             <a:p>
               <a:r>
-                <a:rPr lang="es-PE" dirty="0" smtClean="0"/>
-                <a:t>Rinde Cuentas</a:t>
+                <a:rPr lang="es-PE" sz="1500" dirty="0" err="1" smtClean="0"/>
+                <a:t>Adm</a:t>
               </a:r>
-              <a:endParaRPr lang="es-PE" dirty="0"/>
+              <a:r>
+                <a:rPr lang="es-PE" sz="1500" dirty="0" smtClean="0"/>
+                <a:t>. </a:t>
+              </a:r>
+              <a:r>
+                <a:rPr lang="es-PE" sz="1500" dirty="0"/>
+                <a:t>c</a:t>
+              </a:r>
+              <a:r>
+                <a:rPr lang="es-PE" sz="1500" dirty="0" smtClean="0"/>
+                <a:t>aja desembolsa</a:t>
+              </a:r>
+              <a:endParaRPr lang="es-PE" sz="1500" dirty="0"/>
             </a:p>
           </p:txBody>
         </p:sp>
       </p:grpSp>
       <p:grpSp>
         <p:nvGrpSpPr>
-          <p:cNvPr id="12" name="11 Grupo"/>
+          <p:cNvPr id="2049" name="2048 Grupo"/>
           <p:cNvGrpSpPr/>
           <p:nvPr/>
         </p:nvGrpSpPr>
         <p:grpSpPr>
           <a:xfrm>
-            <a:off x="6408204" y="2469901"/>
-            <a:ext cx="2016224" cy="1655176"/>
-            <a:chOff x="6408204" y="2469901"/>
-            <a:chExt cx="2016224" cy="1655176"/>
+            <a:off x="6215036" y="4252982"/>
+            <a:ext cx="2244718" cy="1912322"/>
+            <a:chOff x="6215036" y="4252982"/>
+            <a:chExt cx="2244718" cy="1667595"/>
           </a:xfrm>
         </p:grpSpPr>
         <p:pic>
           <p:nvPicPr>
-            <p:cNvPr id="3074" name="Picture 2" descr="C:\Users\user\Desktop\Caja Chica\tesorero 2.jpg"/>
+            <p:cNvPr id="16" name="15 Imagen"/>
             <p:cNvPicPr>
-              <a:picLocks noChangeAspect="1" noChangeArrowheads="1"/>
+              <a:picLocks noChangeAspect="1"/>
             </p:cNvPicPr>
             <p:nvPr/>
           </p:nvPicPr>
           <p:blipFill>
-            <a:blip r:embed="rId3" cstate="print">
+            <a:blip r:embed="rId3">
               <a:extLst>
                 <a:ext uri="{28A0092B-C50C-407E-A947-70E740481C1C}">
                   <a14:useLocalDpi xmlns:a14="http://schemas.microsoft.com/office/drawing/2010/main" val="0"/>
                 </a:ext>
               </a:extLst>
             </a:blip>
-            <a:srcRect/>
             <a:stretch>
               <a:fillRect/>
             </a:stretch>
           </p:blipFill>
-          <p:spPr bwMode="auto">
+          <p:spPr>
             <a:xfrm>
-              <a:off x="6516216" y="2924944"/>
-              <a:ext cx="1800200" cy="1200133"/>
+              <a:off x="6215036" y="4622315"/>
+              <a:ext cx="2101379" cy="1298262"/>
             </a:xfrm>
             <a:prstGeom prst="rect">
               <a:avLst/>
             </a:prstGeom>
-            <a:noFill/>
-            <a:extLst>
-              <a:ext uri="{909E8E84-426E-40DD-AFC4-6F175D3DCCD1}">
-                <a14:hiddenFill xmlns:a14="http://schemas.microsoft.com/office/drawing/2010/main">
-                  <a:solidFill>
-                    <a:srgbClr val="FFFFFF"/>
-                  </a:solidFill>
-                </a14:hiddenFill>
-              </a:ext>
-            </a:extLst>
           </p:spPr>
         </p:pic>
         <p:sp>
           <p:nvSpPr>
-            <p:cNvPr id="15" name="14 CuadroTexto"/>
-            <p:cNvSpPr txBox="1"/>
+            <p:cNvPr id="24" name="23 Rectángulo"/>
+            <p:cNvSpPr/>
             <p:nvPr/>
           </p:nvSpPr>
           <p:spPr>
             <a:xfrm>
-              <a:off x="6408204" y="2469901"/>
-              <a:ext cx="2016224" cy="369332"/>
+              <a:off x="6215037" y="4252982"/>
+              <a:ext cx="2244717" cy="323165"/>
             </a:xfrm>
             <a:prstGeom prst="rect">
               <a:avLst/>
             </a:prstGeom>
-            <a:noFill/>
           </p:spPr>
           <p:txBody>
-            <a:bodyPr wrap="square" rtlCol="0">
+            <a:bodyPr wrap="none">
               <a:spAutoFit/>
             </a:bodyPr>
             <a:lstStyle/>
             <a:p>
               <a:r>
-                <a:rPr lang="es-PE" dirty="0" smtClean="0"/>
-                <a:t>Revisa Rendición</a:t>
+                <a:rPr lang="es-PE" sz="1500" dirty="0" err="1" smtClean="0"/>
+                <a:t>Adm</a:t>
               </a:r>
-              <a:endParaRPr lang="es-PE" dirty="0"/>
+              <a:r>
+                <a:rPr lang="es-PE" sz="1500" dirty="0" smtClean="0"/>
+                <a:t>. </a:t>
+              </a:r>
+              <a:r>
+                <a:rPr lang="es-PE" sz="1500" dirty="0"/>
+                <a:t>c</a:t>
+              </a:r>
+              <a:r>
+                <a:rPr lang="es-PE" sz="1500" dirty="0" smtClean="0"/>
+                <a:t>aja r</a:t>
+              </a:r>
+              <a:r>
+                <a:rPr lang="es-PE" sz="1500" dirty="0" smtClean="0"/>
+                <a:t>egistra </a:t>
+              </a:r>
+              <a:r>
+                <a:rPr lang="es-PE" sz="1500" dirty="0"/>
+                <a:t>e</a:t>
+              </a:r>
+              <a:r>
+                <a:rPr lang="es-PE" sz="1500" dirty="0" smtClean="0"/>
+                <a:t>greso</a:t>
+              </a:r>
+              <a:endParaRPr lang="es-PE" sz="1500" dirty="0"/>
             </a:p>
           </p:txBody>
         </p:sp>
       </p:grpSp>
       <p:sp>
         <p:nvSpPr>
-          <p:cNvPr id="16" name="15 Flecha derecha"/>
+          <p:cNvPr id="26" name="25 Flecha abajo"/>
           <p:cNvSpPr/>
           <p:nvPr/>
         </p:nvSpPr>
         <p:spPr>
           <a:xfrm>
-            <a:off x="2843808" y="3092713"/>
+            <a:off x="6960517" y="3729183"/>
+            <a:ext cx="484632" cy="489204"/>
+          </a:xfrm>
+          <a:prstGeom prst="downArrow">
+            <a:avLst/>
+          </a:prstGeom>
+        </p:spPr>
+        <p:style>
+          <a:lnRef idx="2">
+            <a:schemeClr val="accent6">
+              <a:shade val="50000"/>
+            </a:schemeClr>
+          </a:lnRef>
+          <a:fillRef idx="1">
+            <a:schemeClr val="accent6"/>
+          </a:fillRef>
+          <a:effectRef idx="0">
+            <a:schemeClr val="accent6"/>
+          </a:effectRef>
+          <a:fontRef idx="minor">
+            <a:schemeClr val="lt1"/>
+          </a:fontRef>
+        </p:style>
+        <p:txBody>
+          <a:bodyPr rtlCol="0" anchor="ctr"/>
+          <a:lstStyle/>
+          <a:p>
+            <a:pPr algn="ctr"/>
+            <a:r>
+              <a:rPr lang="es-PE" dirty="0" smtClean="0"/>
+              <a:t>3</a:t>
+            </a:r>
+            <a:endParaRPr lang="es-PE" dirty="0"/>
+          </a:p>
+        </p:txBody>
+      </p:sp>
+      <p:sp>
+        <p:nvSpPr>
+          <p:cNvPr id="28" name="27 Flecha derecha"/>
+          <p:cNvSpPr/>
+          <p:nvPr/>
+        </p:nvSpPr>
+        <p:spPr>
+          <a:xfrm rot="20054260">
+            <a:off x="5255280" y="3123058"/>
             <a:ext cx="669882" cy="484632"/>
           </a:xfrm>
           <a:prstGeom prst="rightArrow">
@@ -6131,19 +8254,251 @@
           <a:lstStyle/>
           <a:p>
             <a:pPr algn="ctr"/>
-            <a:endParaRPr lang="es-PE"/>
-          </a:p>
-        </p:txBody>
-      </p:sp>
-      <p:sp>
-        <p:nvSpPr>
-          <p:cNvPr id="17" name="16 Flecha derecha"/>
+            <a:r>
+              <a:rPr lang="es-PE" dirty="0" smtClean="0"/>
+              <a:t>2</a:t>
+            </a:r>
+            <a:endParaRPr lang="es-PE" dirty="0"/>
+          </a:p>
+        </p:txBody>
+      </p:sp>
+      <p:grpSp>
+        <p:nvGrpSpPr>
+          <p:cNvPr id="18" name="17 Grupo"/>
+          <p:cNvGrpSpPr/>
+          <p:nvPr/>
+        </p:nvGrpSpPr>
+        <p:grpSpPr>
+          <a:xfrm>
+            <a:off x="287354" y="2142833"/>
+            <a:ext cx="1735051" cy="1831021"/>
+            <a:chOff x="467544" y="2587102"/>
+            <a:chExt cx="1656185" cy="1721285"/>
+          </a:xfrm>
+        </p:grpSpPr>
+        <p:pic>
+          <p:nvPicPr>
+            <p:cNvPr id="19" name="Picture 4" descr="C:\Users\user\Desktop\Imagenes Ingreso salida almacen\Almacenero laptop 01.jpg"/>
+            <p:cNvPicPr>
+              <a:picLocks noChangeAspect="1" noChangeArrowheads="1"/>
+            </p:cNvPicPr>
+            <p:nvPr/>
+          </p:nvPicPr>
+          <p:blipFill>
+            <a:blip r:embed="rId4" cstate="print">
+              <a:extLst>
+                <a:ext uri="{28A0092B-C50C-407E-A947-70E740481C1C}">
+                  <a14:useLocalDpi xmlns:a14="http://schemas.microsoft.com/office/drawing/2010/main" val="0"/>
+                </a:ext>
+              </a:extLst>
+            </a:blip>
+            <a:srcRect/>
+            <a:stretch>
+              <a:fillRect/>
+            </a:stretch>
+          </p:blipFill>
+          <p:spPr bwMode="auto">
+            <a:xfrm>
+              <a:off x="467545" y="2967412"/>
+              <a:ext cx="1656184" cy="1340975"/>
+            </a:xfrm>
+            <a:prstGeom prst="rect">
+              <a:avLst/>
+            </a:prstGeom>
+            <a:noFill/>
+            <a:extLst>
+              <a:ext uri="{909E8E84-426E-40DD-AFC4-6F175D3DCCD1}">
+                <a14:hiddenFill xmlns:a14="http://schemas.microsoft.com/office/drawing/2010/main">
+                  <a:solidFill>
+                    <a:srgbClr val="FFFFFF"/>
+                  </a:solidFill>
+                </a14:hiddenFill>
+              </a:ext>
+            </a:extLst>
+          </p:spPr>
+        </p:pic>
+        <p:sp>
+          <p:nvSpPr>
+            <p:cNvPr id="22" name="21 Rectángulo"/>
+            <p:cNvSpPr/>
+            <p:nvPr/>
+          </p:nvSpPr>
+          <p:spPr>
+            <a:xfrm>
+              <a:off x="467544" y="2587102"/>
+              <a:ext cx="1656184" cy="303797"/>
+            </a:xfrm>
+            <a:prstGeom prst="rect">
+              <a:avLst/>
+            </a:prstGeom>
+          </p:spPr>
+          <p:txBody>
+            <a:bodyPr wrap="square">
+              <a:spAutoFit/>
+            </a:bodyPr>
+            <a:lstStyle/>
+            <a:p>
+              <a:r>
+                <a:rPr lang="es-PE" sz="1500" dirty="0" smtClean="0"/>
+                <a:t>Solicita dinero</a:t>
+              </a:r>
+              <a:endParaRPr lang="es-PE" sz="1500" dirty="0"/>
+            </a:p>
+          </p:txBody>
+        </p:sp>
+      </p:grpSp>
+      <p:grpSp>
+        <p:nvGrpSpPr>
+          <p:cNvPr id="5" name="4 Grupo"/>
+          <p:cNvGrpSpPr/>
+          <p:nvPr/>
+        </p:nvGrpSpPr>
+        <p:grpSpPr>
+          <a:xfrm>
+            <a:off x="182772" y="4070265"/>
+            <a:ext cx="1944216" cy="957300"/>
+            <a:chOff x="179512" y="5013801"/>
+            <a:chExt cx="1944216" cy="957300"/>
+          </a:xfrm>
+        </p:grpSpPr>
+        <p:sp>
+          <p:nvSpPr>
+            <p:cNvPr id="4" name="3 Rectángulo redondeado"/>
+            <p:cNvSpPr/>
+            <p:nvPr/>
+          </p:nvSpPr>
+          <p:spPr>
+            <a:xfrm>
+              <a:off x="179512" y="5013801"/>
+              <a:ext cx="1944216" cy="957300"/>
+            </a:xfrm>
+            <a:prstGeom prst="roundRect">
+              <a:avLst/>
+            </a:prstGeom>
+          </p:spPr>
+          <p:style>
+            <a:lnRef idx="2">
+              <a:schemeClr val="accent6">
+                <a:shade val="50000"/>
+              </a:schemeClr>
+            </a:lnRef>
+            <a:fillRef idx="1">
+              <a:schemeClr val="accent6"/>
+            </a:fillRef>
+            <a:effectRef idx="0">
+              <a:schemeClr val="accent6"/>
+            </a:effectRef>
+            <a:fontRef idx="minor">
+              <a:schemeClr val="lt1"/>
+            </a:fontRef>
+          </p:style>
+          <p:txBody>
+            <a:bodyPr rtlCol="0" anchor="ctr"/>
+            <a:lstStyle/>
+            <a:p>
+              <a:pPr algn="ctr"/>
+              <a:endParaRPr lang="es-PE"/>
+            </a:p>
+          </p:txBody>
+        </p:sp>
+        <p:sp>
+          <p:nvSpPr>
+            <p:cNvPr id="3" name="2 Rectángulo redondeado"/>
+            <p:cNvSpPr/>
+            <p:nvPr/>
+          </p:nvSpPr>
+          <p:spPr>
+            <a:xfrm>
+              <a:off x="279173" y="5099106"/>
+              <a:ext cx="1743232" cy="321804"/>
+            </a:xfrm>
+            <a:prstGeom prst="roundRect">
+              <a:avLst/>
+            </a:prstGeom>
+          </p:spPr>
+          <p:style>
+            <a:lnRef idx="2">
+              <a:schemeClr val="accent1">
+                <a:shade val="50000"/>
+              </a:schemeClr>
+            </a:lnRef>
+            <a:fillRef idx="1">
+              <a:schemeClr val="accent1"/>
+            </a:fillRef>
+            <a:effectRef idx="0">
+              <a:schemeClr val="accent1"/>
+            </a:effectRef>
+            <a:fontRef idx="minor">
+              <a:schemeClr val="lt1"/>
+            </a:fontRef>
+          </p:style>
+          <p:txBody>
+            <a:bodyPr rtlCol="0" anchor="ctr"/>
+            <a:lstStyle/>
+            <a:p>
+              <a:pPr algn="ctr"/>
+              <a:r>
+                <a:rPr lang="es-PE" sz="1600" dirty="0" smtClean="0"/>
+                <a:t>Elige caja chica</a:t>
+              </a:r>
+              <a:endParaRPr lang="es-PE" sz="1600" dirty="0"/>
+            </a:p>
+          </p:txBody>
+        </p:sp>
+        <p:sp>
+          <p:nvSpPr>
+            <p:cNvPr id="32" name="31 Rectángulo redondeado"/>
+            <p:cNvSpPr/>
+            <p:nvPr/>
+          </p:nvSpPr>
+          <p:spPr>
+            <a:xfrm>
+              <a:off x="279172" y="5492451"/>
+              <a:ext cx="1743232" cy="384354"/>
+            </a:xfrm>
+            <a:prstGeom prst="roundRect">
+              <a:avLst/>
+            </a:prstGeom>
+          </p:spPr>
+          <p:style>
+            <a:lnRef idx="2">
+              <a:schemeClr val="accent1">
+                <a:shade val="50000"/>
+              </a:schemeClr>
+            </a:lnRef>
+            <a:fillRef idx="1">
+              <a:schemeClr val="accent1"/>
+            </a:fillRef>
+            <a:effectRef idx="0">
+              <a:schemeClr val="accent1"/>
+            </a:effectRef>
+            <a:fontRef idx="minor">
+              <a:schemeClr val="lt1"/>
+            </a:fontRef>
+          </p:style>
+          <p:txBody>
+            <a:bodyPr rtlCol="0" anchor="ctr"/>
+            <a:lstStyle/>
+            <a:p>
+              <a:pPr algn="ctr"/>
+              <a:r>
+                <a:rPr lang="es-PE" sz="1600" dirty="0" smtClean="0"/>
+                <a:t>Elige obra /gasto</a:t>
+              </a:r>
+              <a:endParaRPr lang="es-PE" sz="1600" dirty="0"/>
+            </a:p>
+          </p:txBody>
+        </p:sp>
+      </p:grpSp>
+      <p:sp>
+        <p:nvSpPr>
+          <p:cNvPr id="34" name="33 Flecha derecha"/>
           <p:cNvSpPr/>
           <p:nvPr/>
         </p:nvSpPr>
         <p:spPr>
           <a:xfrm>
-            <a:off x="5738322" y="3152967"/>
+            <a:off x="2306074" y="3733755"/>
             <a:ext cx="669882" cy="484632"/>
           </a:xfrm>
           <a:prstGeom prst="rightArrow">
@@ -6171,64 +8526,38 @@
           <a:lstStyle/>
           <a:p>
             <a:pPr algn="ctr"/>
-            <a:endParaRPr lang="es-PE"/>
+            <a:r>
+              <a:rPr lang="es-PE" dirty="0" smtClean="0"/>
+              <a:t>1</a:t>
+            </a:r>
+            <a:endParaRPr lang="es-PE" dirty="0"/>
           </a:p>
         </p:txBody>
       </p:sp>
       <p:grpSp>
         <p:nvGrpSpPr>
-          <p:cNvPr id="19" name="18 Grupo"/>
+          <p:cNvPr id="35" name="34 Grupo"/>
           <p:cNvGrpSpPr/>
           <p:nvPr/>
         </p:nvGrpSpPr>
         <p:grpSpPr>
           <a:xfrm>
-            <a:off x="3635896" y="2555693"/>
-            <a:ext cx="1894793" cy="1679179"/>
-            <a:chOff x="3552594" y="3333997"/>
-            <a:chExt cx="1894793" cy="1679179"/>
+            <a:off x="3021859" y="2678033"/>
+            <a:ext cx="1909056" cy="1877385"/>
+            <a:chOff x="162910" y="2744930"/>
+            <a:chExt cx="1909056" cy="1877385"/>
           </a:xfrm>
         </p:grpSpPr>
-        <p:sp>
-          <p:nvSpPr>
-            <p:cNvPr id="13" name="12 CuadroTexto"/>
-            <p:cNvSpPr txBox="1"/>
-            <p:nvPr/>
-          </p:nvSpPr>
-          <p:spPr>
-            <a:xfrm>
-              <a:off x="3635896" y="3333997"/>
-              <a:ext cx="1728192" cy="369332"/>
-            </a:xfrm>
-            <a:prstGeom prst="rect">
-              <a:avLst/>
-            </a:prstGeom>
-            <a:noFill/>
-          </p:spPr>
-          <p:txBody>
-            <a:bodyPr wrap="square" rtlCol="0">
-              <a:spAutoFit/>
-            </a:bodyPr>
-            <a:lstStyle/>
-            <a:p>
-              <a:r>
-                <a:rPr lang="es-PE" dirty="0" smtClean="0"/>
-                <a:t>Comprobantes</a:t>
-              </a:r>
-              <a:endParaRPr lang="es-PE" dirty="0"/>
-            </a:p>
-          </p:txBody>
-        </p:sp>
         <p:pic>
           <p:nvPicPr>
-            <p:cNvPr id="3077" name="Picture 5" descr="C:\Users\user\Desktop\Caja Chica\cuentas.jpg"/>
+            <p:cNvPr id="36" name="Picture 2" descr="C:\Users\user\Desktop\Imagenes Ingreso salida almacen\Almacenero 3.jpg"/>
             <p:cNvPicPr>
               <a:picLocks noChangeAspect="1" noChangeArrowheads="1"/>
             </p:cNvPicPr>
             <p:nvPr/>
           </p:nvPicPr>
           <p:blipFill>
-            <a:blip r:embed="rId4">
+            <a:blip r:embed="rId5" cstate="print">
               <a:extLst>
                 <a:ext uri="{28A0092B-C50C-407E-A947-70E740481C1C}">
                   <a14:useLocalDpi xmlns:a14="http://schemas.microsoft.com/office/drawing/2010/main" val="0"/>
@@ -6242,8 +8571,8 @@
           </p:blipFill>
           <p:spPr bwMode="auto">
             <a:xfrm>
-              <a:off x="3552594" y="3749981"/>
-              <a:ext cx="1894793" cy="1263195"/>
+              <a:off x="162910" y="3103555"/>
+              <a:ext cx="1909056" cy="1518760"/>
             </a:xfrm>
             <a:prstGeom prst="rect">
               <a:avLst/>
@@ -6260,11 +8589,60 @@
             </a:extLst>
           </p:spPr>
         </p:pic>
+        <p:sp>
+          <p:nvSpPr>
+            <p:cNvPr id="37" name="36 Rectángulo"/>
+            <p:cNvSpPr/>
+            <p:nvPr/>
+          </p:nvSpPr>
+          <p:spPr>
+            <a:xfrm>
+              <a:off x="380729" y="2744930"/>
+              <a:ext cx="1473417" cy="323165"/>
+            </a:xfrm>
+            <a:prstGeom prst="rect">
+              <a:avLst/>
+            </a:prstGeom>
+          </p:spPr>
+          <p:txBody>
+            <a:bodyPr wrap="none">
+              <a:spAutoFit/>
+            </a:bodyPr>
+            <a:lstStyle/>
+            <a:p>
+              <a:r>
+                <a:rPr lang="es-PE" sz="1500" dirty="0" smtClean="0">
+                  <a:solidFill>
+                    <a:srgbClr val="FF0000"/>
+                  </a:solidFill>
+                </a:rPr>
+                <a:t>Revisa</a:t>
+              </a:r>
+              <a:r>
+                <a:rPr lang="es-PE" sz="1500" dirty="0" smtClean="0"/>
+                <a:t> </a:t>
+              </a:r>
+              <a:r>
+                <a:rPr lang="es-PE" sz="1500" dirty="0" smtClean="0">
+                  <a:solidFill>
+                    <a:srgbClr val="FF0000"/>
+                  </a:solidFill>
+                </a:rPr>
+                <a:t>solicitud</a:t>
+              </a:r>
+              <a:endParaRPr lang="es-PE" sz="1500" dirty="0">
+                <a:solidFill>
+                  <a:srgbClr val="FF0000"/>
+                </a:solidFill>
+              </a:endParaRPr>
+            </a:p>
+          </p:txBody>
+        </p:sp>
       </p:grpSp>
     </p:spTree>
     <p:extLst>
       <p:ext uri="{BB962C8B-B14F-4D97-AF65-F5344CB8AC3E}">
-        <p14:creationId xmlns:p14="http://schemas.microsoft.com/office/powerpoint/2010/main" val="888286933"/>
+        <p14:creationId xmlns:p14="http://schemas.microsoft.com/office/powerpoint/2010/main" val="2162567746"/>
       </p:ext>
     </p:extLst>
   </p:cSld>
@@ -6305,7 +8683,34 @@
                                           </p:stCondLst>
                                         </p:cTn>
                                         <p:tgtEl>
-                                          <p:spTgt spid="11"/>
+                                          <p:spTgt spid="18"/>
+                                        </p:tgtEl>
+                                        <p:attrNameLst>
+                                          <p:attrName>style.visibility</p:attrName>
+                                        </p:attrNameLst>
+                                      </p:cBhvr>
+                                      <p:to>
+                                        <p:strVal val="visible"/>
+                                      </p:to>
+                                    </p:set>
+                                  </p:childTnLst>
+                                </p:cTn>
+                              </p:par>
+                              <p:par>
+                                <p:cTn id="7" presetID="1" presetClass="entr" presetSubtype="0" fill="hold" nodeType="withEffect">
+                                  <p:stCondLst>
+                                    <p:cond delay="0"/>
+                                  </p:stCondLst>
+                                  <p:childTnLst>
+                                    <p:set>
+                                      <p:cBhvr>
+                                        <p:cTn id="8" dur="1" fill="hold">
+                                          <p:stCondLst>
+                                            <p:cond delay="0"/>
+                                          </p:stCondLst>
+                                        </p:cTn>
+                                        <p:tgtEl>
+                                          <p:spTgt spid="5"/>
                                         </p:tgtEl>
                                         <p:attrNameLst>
                                           <p:attrName>style.visibility</p:attrName>
@@ -6325,32 +8730,32 @@
                     </p:cTn>
                   </p:par>
                   <p:par>
-                    <p:cTn id="7" fill="hold">
+                    <p:cTn id="9" fill="hold">
                       <p:stCondLst>
                         <p:cond delay="indefinite"/>
                       </p:stCondLst>
                       <p:childTnLst>
                         <p:par>
-                          <p:cTn id="8" fill="hold">
+                          <p:cTn id="10" fill="hold">
                             <p:stCondLst>
                               <p:cond delay="0"/>
                             </p:stCondLst>
                             <p:childTnLst>
                               <p:par>
-                                <p:cTn id="9" presetID="22" presetClass="entr" presetSubtype="8" fill="hold" grpId="0" nodeType="clickEffect">
+                                <p:cTn id="11" presetID="22" presetClass="entr" presetSubtype="8" fill="hold" grpId="0" nodeType="clickEffect">
                                   <p:stCondLst>
                                     <p:cond delay="0"/>
                                   </p:stCondLst>
                                   <p:childTnLst>
                                     <p:set>
                                       <p:cBhvr>
-                                        <p:cTn id="10" dur="1" fill="hold">
+                                        <p:cTn id="12" dur="1" fill="hold">
                                           <p:stCondLst>
                                             <p:cond delay="0"/>
                                           </p:stCondLst>
                                         </p:cTn>
                                         <p:tgtEl>
-                                          <p:spTgt spid="16"/>
+                                          <p:spTgt spid="34"/>
                                         </p:tgtEl>
                                         <p:attrNameLst>
                                           <p:attrName>style.visibility</p:attrName>
@@ -6362,9 +8767,9 @@
                                     </p:set>
                                     <p:animEffect transition="in" filter="wipe(left)">
                                       <p:cBhvr>
-                                        <p:cTn id="11" dur="500"/>
+                                        <p:cTn id="13" dur="500"/>
                                         <p:tgtEl>
-                                          <p:spTgt spid="16"/>
+                                          <p:spTgt spid="34"/>
                                         </p:tgtEl>
                                       </p:cBhvr>
                                     </p:animEffect>
@@ -6378,32 +8783,32 @@
                     </p:cTn>
                   </p:par>
                   <p:par>
-                    <p:cTn id="12" fill="hold">
+                    <p:cTn id="14" fill="hold">
                       <p:stCondLst>
                         <p:cond delay="indefinite"/>
                       </p:stCondLst>
                       <p:childTnLst>
                         <p:par>
-                          <p:cTn id="13" fill="hold">
+                          <p:cTn id="15" fill="hold">
                             <p:stCondLst>
                               <p:cond delay="0"/>
                             </p:stCondLst>
                             <p:childTnLst>
                               <p:par>
-                                <p:cTn id="14" presetID="1" presetClass="entr" presetSubtype="0" fill="hold" nodeType="clickEffect">
+                                <p:cTn id="16" presetID="1" presetClass="entr" presetSubtype="0" fill="hold" nodeType="clickEffect">
                                   <p:stCondLst>
                                     <p:cond delay="0"/>
                                   </p:stCondLst>
                                   <p:childTnLst>
                                     <p:set>
                                       <p:cBhvr>
-                                        <p:cTn id="15" dur="1" fill="hold">
+                                        <p:cTn id="17" dur="1" fill="hold">
                                           <p:stCondLst>
                                             <p:cond delay="0"/>
                                           </p:stCondLst>
                                         </p:cTn>
                                         <p:tgtEl>
-                                          <p:spTgt spid="19"/>
+                                          <p:spTgt spid="35"/>
                                         </p:tgtEl>
                                         <p:attrNameLst>
                                           <p:attrName>style.visibility</p:attrName>
@@ -6423,32 +8828,32 @@
                     </p:cTn>
                   </p:par>
                   <p:par>
-                    <p:cTn id="16" fill="hold">
+                    <p:cTn id="18" fill="hold">
                       <p:stCondLst>
                         <p:cond delay="indefinite"/>
                       </p:stCondLst>
                       <p:childTnLst>
                         <p:par>
-                          <p:cTn id="17" fill="hold">
+                          <p:cTn id="19" fill="hold">
                             <p:stCondLst>
                               <p:cond delay="0"/>
                             </p:stCondLst>
                             <p:childTnLst>
                               <p:par>
-                                <p:cTn id="18" presetID="22" presetClass="entr" presetSubtype="8" fill="hold" grpId="0" nodeType="clickEffect">
+                                <p:cTn id="20" presetID="22" presetClass="entr" presetSubtype="8" fill="hold" grpId="0" nodeType="clickEffect">
                                   <p:stCondLst>
                                     <p:cond delay="0"/>
                                   </p:stCondLst>
                                   <p:childTnLst>
                                     <p:set>
                                       <p:cBhvr>
-                                        <p:cTn id="19" dur="1" fill="hold">
+                                        <p:cTn id="21" dur="1" fill="hold">
                                           <p:stCondLst>
                                             <p:cond delay="0"/>
                                           </p:stCondLst>
                                         </p:cTn>
                                         <p:tgtEl>
-                                          <p:spTgt spid="17"/>
+                                          <p:spTgt spid="28"/>
                                         </p:tgtEl>
                                         <p:attrNameLst>
                                           <p:attrName>style.visibility</p:attrName>
@@ -6460,9 +8865,9 @@
                                     </p:set>
                                     <p:animEffect transition="in" filter="wipe(left)">
                                       <p:cBhvr>
-                                        <p:cTn id="20" dur="500"/>
+                                        <p:cTn id="22" dur="500"/>
                                         <p:tgtEl>
-                                          <p:spTgt spid="17"/>
+                                          <p:spTgt spid="28"/>
                                         </p:tgtEl>
                                       </p:cBhvr>
                                     </p:animEffect>
@@ -6476,32 +8881,130 @@
                     </p:cTn>
                   </p:par>
                   <p:par>
-                    <p:cTn id="21" fill="hold">
+                    <p:cTn id="23" fill="hold">
                       <p:stCondLst>
                         <p:cond delay="indefinite"/>
                       </p:stCondLst>
                       <p:childTnLst>
                         <p:par>
-                          <p:cTn id="22" fill="hold">
+                          <p:cTn id="24" fill="hold">
                             <p:stCondLst>
                               <p:cond delay="0"/>
                             </p:stCondLst>
                             <p:childTnLst>
                               <p:par>
-                                <p:cTn id="23" presetID="1" presetClass="entr" presetSubtype="0" fill="hold" nodeType="clickEffect">
+                                <p:cTn id="25" presetID="1" presetClass="entr" presetSubtype="0" fill="hold" nodeType="clickEffect">
                                   <p:stCondLst>
                                     <p:cond delay="0"/>
                                   </p:stCondLst>
                                   <p:childTnLst>
                                     <p:set>
                                       <p:cBhvr>
-                                        <p:cTn id="24" dur="1" fill="hold">
+                                        <p:cTn id="26" dur="1" fill="hold">
                                           <p:stCondLst>
                                             <p:cond delay="0"/>
                                           </p:stCondLst>
                                         </p:cTn>
                                         <p:tgtEl>
-                                          <p:spTgt spid="12"/>
+                                          <p:spTgt spid="2048"/>
+                                        </p:tgtEl>
+                                        <p:attrNameLst>
+                                          <p:attrName>style.visibility</p:attrName>
+                                        </p:attrNameLst>
+                                      </p:cBhvr>
+                                      <p:to>
+                                        <p:strVal val="visible"/>
+                                      </p:to>
+                                    </p:set>
+                                  </p:childTnLst>
+                                </p:cTn>
+                              </p:par>
+                            </p:childTnLst>
+                          </p:cTn>
+                        </p:par>
+                      </p:childTnLst>
+                    </p:cTn>
+                  </p:par>
+                  <p:par>
+                    <p:cTn id="27" fill="hold">
+                      <p:stCondLst>
+                        <p:cond delay="indefinite"/>
+                      </p:stCondLst>
+                      <p:childTnLst>
+                        <p:par>
+                          <p:cTn id="28" fill="hold">
+                            <p:stCondLst>
+                              <p:cond delay="0"/>
+                            </p:stCondLst>
+                            <p:childTnLst>
+                              <p:par>
+                                <p:cTn id="29" presetID="22" presetClass="entr" presetSubtype="1" fill="hold" grpId="0" nodeType="clickEffect">
+                                  <p:stCondLst>
+                                    <p:cond delay="0"/>
+                                  </p:stCondLst>
+                                  <p:childTnLst>
+                                    <p:set>
+                                      <p:cBhvr>
+                                        <p:cTn id="30" dur="1" fill="hold">
+                                          <p:stCondLst>
+                                            <p:cond delay="0"/>
+                                          </p:stCondLst>
+                                        </p:cTn>
+                                        <p:tgtEl>
+                                          <p:spTgt spid="26"/>
+                                        </p:tgtEl>
+                                        <p:attrNameLst>
+                                          <p:attrName>style.visibility</p:attrName>
+                                        </p:attrNameLst>
+                                      </p:cBhvr>
+                                      <p:to>
+                                        <p:strVal val="visible"/>
+                                      </p:to>
+                                    </p:set>
+                                    <p:animEffect transition="in" filter="wipe(up)">
+                                      <p:cBhvr>
+                                        <p:cTn id="31" dur="500"/>
+                                        <p:tgtEl>
+                                          <p:spTgt spid="26"/>
+                                        </p:tgtEl>
+                                      </p:cBhvr>
+                                    </p:animEffect>
+                                  </p:childTnLst>
+                                </p:cTn>
+                              </p:par>
+                            </p:childTnLst>
+                          </p:cTn>
+                        </p:par>
+                      </p:childTnLst>
+                    </p:cTn>
+                  </p:par>
+                  <p:par>
+                    <p:cTn id="32" fill="hold">
+                      <p:stCondLst>
+                        <p:cond delay="indefinite"/>
+                      </p:stCondLst>
+                      <p:childTnLst>
+                        <p:par>
+                          <p:cTn id="33" fill="hold">
+                            <p:stCondLst>
+                              <p:cond delay="0"/>
+                            </p:stCondLst>
+                            <p:childTnLst>
+                              <p:par>
+                                <p:cTn id="34" presetID="1" presetClass="entr" presetSubtype="0" fill="hold" nodeType="clickEffect">
+                                  <p:stCondLst>
+                                    <p:cond delay="0"/>
+                                  </p:stCondLst>
+                                  <p:childTnLst>
+                                    <p:set>
+                                      <p:cBhvr>
+                                        <p:cTn id="35" dur="1" fill="hold">
+                                          <p:stCondLst>
+                                            <p:cond delay="0"/>
+                                          </p:stCondLst>
+                                        </p:cTn>
+                                        <p:tgtEl>
+                                          <p:spTgt spid="2049"/>
                                         </p:tgtEl>
                                         <p:attrNameLst>
                                           <p:attrName>style.visibility</p:attrName>
@@ -6542,14 +9045,195 @@
       </p:par>
     </p:tnLst>
     <p:bldLst>
-      <p:bldP spid="16" grpId="0" animBg="1"/>
-      <p:bldP spid="17" grpId="0" animBg="1"/>
+      <p:bldP spid="26" grpId="0" animBg="1"/>
+      <p:bldP spid="28" grpId="0" animBg="1"/>
+      <p:bldP spid="34" grpId="0" animBg="1"/>
     </p:bldLst>
   </p:timing>
 </p:sld>
 </file>
 
-<file path=ppt/slides/slide5.xml><?xml version="1.0" encoding="utf-8"?>
+<file path=ppt/slides/slide7.xml><?xml version="1.0" encoding="utf-8"?>
+<p:sld xmlns:a="http://schemas.openxmlformats.org/drawingml/2006/main" xmlns:r="http://schemas.openxmlformats.org/officeDocument/2006/relationships" xmlns:p="http://schemas.openxmlformats.org/presentationml/2006/main">
+  <p:cSld>
+    <p:spTree>
+      <p:nvGrpSpPr>
+        <p:cNvPr id="1" name=""/>
+        <p:cNvGrpSpPr/>
+        <p:nvPr/>
+      </p:nvGrpSpPr>
+      <p:grpSpPr>
+        <a:xfrm>
+          <a:off x="0" y="0"/>
+          <a:ext cx="0" cy="0"/>
+          <a:chOff x="0" y="0"/>
+          <a:chExt cx="0" cy="0"/>
+        </a:xfrm>
+      </p:grpSpPr>
+      <p:sp>
+        <p:nvSpPr>
+          <p:cNvPr id="2" name="1 Título"/>
+          <p:cNvSpPr>
+            <a:spLocks noGrp="1"/>
+          </p:cNvSpPr>
+          <p:nvPr>
+            <p:ph type="ctrTitle"/>
+          </p:nvPr>
+        </p:nvSpPr>
+        <p:spPr/>
+        <p:txBody>
+          <a:bodyPr/>
+          <a:lstStyle/>
+          <a:p>
+            <a:r>
+              <a:rPr lang="es-PE" dirty="0" smtClean="0"/>
+              <a:t>FIN</a:t>
+            </a:r>
+            <a:endParaRPr lang="es-PE" dirty="0"/>
+          </a:p>
+        </p:txBody>
+      </p:sp>
+      <p:sp>
+        <p:nvSpPr>
+          <p:cNvPr id="3" name="2 Subtítulo"/>
+          <p:cNvSpPr>
+            <a:spLocks noGrp="1"/>
+          </p:cNvSpPr>
+          <p:nvPr>
+            <p:ph type="subTitle" idx="1"/>
+          </p:nvPr>
+        </p:nvSpPr>
+        <p:spPr/>
+        <p:txBody>
+          <a:bodyPr/>
+          <a:lstStyle/>
+          <a:p>
+            <a:endParaRPr lang="es-PE"/>
+          </a:p>
+        </p:txBody>
+      </p:sp>
+    </p:spTree>
+    <p:extLst>
+      <p:ext uri="{BB962C8B-B14F-4D97-AF65-F5344CB8AC3E}">
+        <p14:creationId xmlns:p14="http://schemas.microsoft.com/office/powerpoint/2010/main" val="390891067"/>
+      </p:ext>
+    </p:extLst>
+  </p:cSld>
+  <p:clrMapOvr>
+    <a:masterClrMapping/>
+  </p:clrMapOvr>
+  <p:timing>
+    <p:tnLst>
+      <p:par>
+        <p:cTn id="1" dur="indefinite" restart="never" nodeType="tmRoot"/>
+      </p:par>
+    </p:tnLst>
+  </p:timing>
+</p:sld>
+</file>
+
+<file path=ppt/slides/slide8.xml><?xml version="1.0" encoding="utf-8"?>
+<p:sld xmlns:a="http://schemas.openxmlformats.org/drawingml/2006/main" xmlns:r="http://schemas.openxmlformats.org/officeDocument/2006/relationships" xmlns:p="http://schemas.openxmlformats.org/presentationml/2006/main">
+  <p:cSld>
+    <p:spTree>
+      <p:nvGrpSpPr>
+        <p:cNvPr id="1" name=""/>
+        <p:cNvGrpSpPr/>
+        <p:nvPr/>
+      </p:nvGrpSpPr>
+      <p:grpSpPr>
+        <a:xfrm>
+          <a:off x="0" y="0"/>
+          <a:ext cx="0" cy="0"/>
+          <a:chOff x="0" y="0"/>
+          <a:chExt cx="0" cy="0"/>
+        </a:xfrm>
+      </p:grpSpPr>
+      <p:pic>
+        <p:nvPicPr>
+          <p:cNvPr id="1027" name="Picture 3"/>
+          <p:cNvPicPr>
+            <a:picLocks noChangeAspect="1" noChangeArrowheads="1"/>
+          </p:cNvPicPr>
+          <p:nvPr/>
+        </p:nvPicPr>
+        <p:blipFill>
+          <a:blip r:embed="rId2">
+            <a:extLst>
+              <a:ext uri="{28A0092B-C50C-407E-A947-70E740481C1C}">
+                <a14:useLocalDpi xmlns:a14="http://schemas.microsoft.com/office/drawing/2010/main" val="0"/>
+              </a:ext>
+            </a:extLst>
+          </a:blip>
+          <a:srcRect/>
+          <a:stretch>
+            <a:fillRect/>
+          </a:stretch>
+        </p:blipFill>
+        <p:spPr bwMode="auto">
+          <a:xfrm>
+            <a:off x="467544" y="1412776"/>
+            <a:ext cx="8293992" cy="5093593"/>
+          </a:xfrm>
+          <a:prstGeom prst="rect">
+            <a:avLst/>
+          </a:prstGeom>
+          <a:noFill/>
+          <a:ln>
+            <a:noFill/>
+          </a:ln>
+          <a:effectLst/>
+          <a:extLst>
+            <a:ext uri="{909E8E84-426E-40DD-AFC4-6F175D3DCCD1}">
+              <a14:hiddenFill xmlns:a14="http://schemas.microsoft.com/office/drawing/2010/main">
+                <a:solidFill>
+                  <a:schemeClr val="accent1"/>
+                </a:solidFill>
+              </a14:hiddenFill>
+            </a:ext>
+            <a:ext uri="{91240B29-F687-4F45-9708-019B960494DF}">
+              <a14:hiddenLine xmlns:a14="http://schemas.microsoft.com/office/drawing/2010/main" w="9525">
+                <a:solidFill>
+                  <a:schemeClr val="tx1"/>
+                </a:solidFill>
+                <a:miter lim="800000"/>
+                <a:headEnd/>
+                <a:tailEnd/>
+              </a14:hiddenLine>
+            </a:ext>
+            <a:ext uri="{AF507438-7753-43E0-B8FC-AC1667EBCBE1}">
+              <a14:hiddenEffects xmlns:a14="http://schemas.microsoft.com/office/drawing/2010/main">
+                <a:effectLst>
+                  <a:outerShdw dist="35921" dir="2700000" algn="ctr" rotWithShape="0">
+                    <a:schemeClr val="bg2"/>
+                  </a:outerShdw>
+                </a:effectLst>
+              </a14:hiddenEffects>
+            </a:ext>
+          </a:extLst>
+        </p:spPr>
+      </p:pic>
+    </p:spTree>
+    <p:extLst>
+      <p:ext uri="{BB962C8B-B14F-4D97-AF65-F5344CB8AC3E}">
+        <p14:creationId xmlns:p14="http://schemas.microsoft.com/office/powerpoint/2010/main" val="1130450954"/>
+      </p:ext>
+    </p:extLst>
+  </p:cSld>
+  <p:clrMapOvr>
+    <a:masterClrMapping/>
+  </p:clrMapOvr>
+  <p:timing>
+    <p:tnLst>
+      <p:par>
+        <p:cTn id="1" dur="indefinite" restart="never" nodeType="tmRoot"/>
+      </p:par>
+    </p:tnLst>
+  </p:timing>
+</p:sld>
+</file>
+
+<file path=ppt/slides/slide9.xml><?xml version="1.0" encoding="utf-8"?>
 <p:sld xmlns:a="http://schemas.openxmlformats.org/drawingml/2006/main" xmlns:r="http://schemas.openxmlformats.org/officeDocument/2006/relationships" xmlns:p="http://schemas.openxmlformats.org/presentationml/2006/main">
   <p:cSld>
     <p:spTree>
@@ -6942,4 +9626,289 @@
   <a:objectDefaults/>
   <a:extraClrSchemeLst/>
 </a:theme>
+</file>
+
+<file path=ppt/theme/theme2.xml><?xml version="1.0" encoding="utf-8"?>
+<a:theme xmlns:a="http://schemas.openxmlformats.org/drawingml/2006/main" name="Tema de Office">
+  <a:themeElements>
+    <a:clrScheme name="Office">
+      <a:dk1>
+        <a:sysClr val="windowText" lastClr="000000"/>
+      </a:dk1>
+      <a:lt1>
+        <a:sysClr val="window" lastClr="FFFFFF"/>
+      </a:lt1>
+      <a:dk2>
+        <a:srgbClr val="1F497D"/>
+      </a:dk2>
+      <a:lt2>
+        <a:srgbClr val="EEECE1"/>
+      </a:lt2>
+      <a:accent1>
+        <a:srgbClr val="4F81BD"/>
+      </a:accent1>
+      <a:accent2>
+        <a:srgbClr val="C0504D"/>
+      </a:accent2>
+      <a:accent3>
+        <a:srgbClr val="9BBB59"/>
+      </a:accent3>
+      <a:accent4>
+        <a:srgbClr val="8064A2"/>
+      </a:accent4>
+      <a:accent5>
+        <a:srgbClr val="4BACC6"/>
+      </a:accent5>
+      <a:accent6>
+        <a:srgbClr val="F79646"/>
+      </a:accent6>
+      <a:hlink>
+        <a:srgbClr val="0000FF"/>
+      </a:hlink>
+      <a:folHlink>
+        <a:srgbClr val="800080"/>
+      </a:folHlink>
+    </a:clrScheme>
+    <a:fontScheme name="Office">
+      <a:majorFont>
+        <a:latin typeface="Calibri"/>
+        <a:ea typeface=""/>
+        <a:cs typeface=""/>
+        <a:font script="Jpan" typeface="ＭＳ Ｐゴシック"/>
+        <a:font script="Hang" typeface="맑은 고딕"/>
+        <a:font script="Hans" typeface="宋体"/>
+        <a:font script="Hant" typeface="新細明體"/>
+        <a:font script="Arab" typeface="Times New Roman"/>
+        <a:font script="Hebr" typeface="Times New Roman"/>
+        <a:font script="Thai" typeface="Angsana New"/>
+        <a:font script="Ethi" typeface="Nyala"/>
+        <a:font script="Beng" typeface="Vrinda"/>
+        <a:font script="Gujr" typeface="Shruti"/>
+        <a:font script="Khmr" typeface="MoolBoran"/>
+        <a:font script="Knda" typeface="Tunga"/>
+        <a:font script="Guru" typeface="Raavi"/>
+        <a:font script="Cans" typeface="Euphemia"/>
+        <a:font script="Cher" typeface="Plantagenet Cherokee"/>
+        <a:font script="Yiii" typeface="Microsoft Yi Baiti"/>
+        <a:font script="Tibt" typeface="Microsoft Himalaya"/>
+        <a:font script="Thaa" typeface="MV Boli"/>
+        <a:font script="Deva" typeface="Mangal"/>
+        <a:font script="Telu" typeface="Gautami"/>
+        <a:font script="Taml" typeface="Latha"/>
+        <a:font script="Syrc" typeface="Estrangelo Edessa"/>
+        <a:font script="Orya" typeface="Kalinga"/>
+        <a:font script="Mlym" typeface="Kartika"/>
+        <a:font script="Laoo" typeface="DokChampa"/>
+        <a:font script="Sinh" typeface="Iskoola Pota"/>
+        <a:font script="Mong" typeface="Mongolian Baiti"/>
+        <a:font script="Viet" typeface="Times New Roman"/>
+        <a:font script="Uigh" typeface="Microsoft Uighur"/>
+        <a:font script="Geor" typeface="Sylfaen"/>
+      </a:majorFont>
+      <a:minorFont>
+        <a:latin typeface="Calibri"/>
+        <a:ea typeface=""/>
+        <a:cs typeface=""/>
+        <a:font script="Jpan" typeface="ＭＳ Ｐゴシック"/>
+        <a:font script="Hang" typeface="맑은 고딕"/>
+        <a:font script="Hans" typeface="宋体"/>
+        <a:font script="Hant" typeface="新細明體"/>
+        <a:font script="Arab" typeface="Arial"/>
+        <a:font script="Hebr" typeface="Arial"/>
+        <a:font script="Thai" typeface="Cordia New"/>
+        <a:font script="Ethi" typeface="Nyala"/>
+        <a:font script="Beng" typeface="Vrinda"/>
+        <a:font script="Gujr" typeface="Shruti"/>
+        <a:font script="Khmr" typeface="DaunPenh"/>
+        <a:font script="Knda" typeface="Tunga"/>
+        <a:font script="Guru" typeface="Raavi"/>
+        <a:font script="Cans" typeface="Euphemia"/>
+        <a:font script="Cher" typeface="Plantagenet Cherokee"/>
+        <a:font script="Yiii" typeface="Microsoft Yi Baiti"/>
+        <a:font script="Tibt" typeface="Microsoft Himalaya"/>
+        <a:font script="Thaa" typeface="MV Boli"/>
+        <a:font script="Deva" typeface="Mangal"/>
+        <a:font script="Telu" typeface="Gautami"/>
+        <a:font script="Taml" typeface="Latha"/>
+        <a:font script="Syrc" typeface="Estrangelo Edessa"/>
+        <a:font script="Orya" typeface="Kalinga"/>
+        <a:font script="Mlym" typeface="Kartika"/>
+        <a:font script="Laoo" typeface="DokChampa"/>
+        <a:font script="Sinh" typeface="Iskoola Pota"/>
+        <a:font script="Mong" typeface="Mongolian Baiti"/>
+        <a:font script="Viet" typeface="Arial"/>
+        <a:font script="Uigh" typeface="Microsoft Uighur"/>
+        <a:font script="Geor" typeface="Sylfaen"/>
+      </a:minorFont>
+    </a:fontScheme>
+    <a:fmtScheme name="Office">
+      <a:fillStyleLst>
+        <a:solidFill>
+          <a:schemeClr val="phClr"/>
+        </a:solidFill>
+        <a:gradFill rotWithShape="1">
+          <a:gsLst>
+            <a:gs pos="0">
+              <a:schemeClr val="phClr">
+                <a:tint val="50000"/>
+                <a:satMod val="300000"/>
+              </a:schemeClr>
+            </a:gs>
+            <a:gs pos="35000">
+              <a:schemeClr val="phClr">
+                <a:tint val="37000"/>
+                <a:satMod val="300000"/>
+              </a:schemeClr>
+            </a:gs>
+            <a:gs pos="100000">
+              <a:schemeClr val="phClr">
+                <a:tint val="15000"/>
+                <a:satMod val="350000"/>
+              </a:schemeClr>
+            </a:gs>
+          </a:gsLst>
+          <a:lin ang="16200000" scaled="1"/>
+        </a:gradFill>
+        <a:gradFill rotWithShape="1">
+          <a:gsLst>
+            <a:gs pos="0">
+              <a:schemeClr val="phClr">
+                <a:shade val="51000"/>
+                <a:satMod val="130000"/>
+              </a:schemeClr>
+            </a:gs>
+            <a:gs pos="80000">
+              <a:schemeClr val="phClr">
+                <a:shade val="93000"/>
+                <a:satMod val="130000"/>
+              </a:schemeClr>
+            </a:gs>
+            <a:gs pos="100000">
+              <a:schemeClr val="phClr">
+                <a:shade val="94000"/>
+                <a:satMod val="135000"/>
+              </a:schemeClr>
+            </a:gs>
+          </a:gsLst>
+          <a:lin ang="16200000" scaled="0"/>
+        </a:gradFill>
+      </a:fillStyleLst>
+      <a:lnStyleLst>
+        <a:ln w="9525" cap="flat" cmpd="sng" algn="ctr">
+          <a:solidFill>
+            <a:schemeClr val="phClr">
+              <a:shade val="95000"/>
+              <a:satMod val="105000"/>
+            </a:schemeClr>
+          </a:solidFill>
+          <a:prstDash val="solid"/>
+        </a:ln>
+        <a:ln w="25400" cap="flat" cmpd="sng" algn="ctr">
+          <a:solidFill>
+            <a:schemeClr val="phClr"/>
+          </a:solidFill>
+          <a:prstDash val="solid"/>
+        </a:ln>
+        <a:ln w="38100" cap="flat" cmpd="sng" algn="ctr">
+          <a:solidFill>
+            <a:schemeClr val="phClr"/>
+          </a:solidFill>
+          <a:prstDash val="solid"/>
+        </a:ln>
+      </a:lnStyleLst>
+      <a:effectStyleLst>
+        <a:effectStyle>
+          <a:effectLst>
+            <a:outerShdw blurRad="40000" dist="20000" dir="5400000" rotWithShape="0">
+              <a:srgbClr val="000000">
+                <a:alpha val="38000"/>
+              </a:srgbClr>
+            </a:outerShdw>
+          </a:effectLst>
+        </a:effectStyle>
+        <a:effectStyle>
+          <a:effectLst>
+            <a:outerShdw blurRad="40000" dist="23000" dir="5400000" rotWithShape="0">
+              <a:srgbClr val="000000">
+                <a:alpha val="35000"/>
+              </a:srgbClr>
+            </a:outerShdw>
+          </a:effectLst>
+        </a:effectStyle>
+        <a:effectStyle>
+          <a:effectLst>
+            <a:outerShdw blurRad="40000" dist="23000" dir="5400000" rotWithShape="0">
+              <a:srgbClr val="000000">
+                <a:alpha val="35000"/>
+              </a:srgbClr>
+            </a:outerShdw>
+          </a:effectLst>
+          <a:scene3d>
+            <a:camera prst="orthographicFront">
+              <a:rot lat="0" lon="0" rev="0"/>
+            </a:camera>
+            <a:lightRig rig="threePt" dir="t">
+              <a:rot lat="0" lon="0" rev="1200000"/>
+            </a:lightRig>
+          </a:scene3d>
+          <a:sp3d>
+            <a:bevelT w="63500" h="25400"/>
+          </a:sp3d>
+        </a:effectStyle>
+      </a:effectStyleLst>
+      <a:bgFillStyleLst>
+        <a:solidFill>
+          <a:schemeClr val="phClr"/>
+        </a:solidFill>
+        <a:gradFill rotWithShape="1">
+          <a:gsLst>
+            <a:gs pos="0">
+              <a:schemeClr val="phClr">
+                <a:tint val="40000"/>
+                <a:satMod val="350000"/>
+              </a:schemeClr>
+            </a:gs>
+            <a:gs pos="40000">
+              <a:schemeClr val="phClr">
+                <a:tint val="45000"/>
+                <a:shade val="99000"/>
+                <a:satMod val="350000"/>
+              </a:schemeClr>
+            </a:gs>
+            <a:gs pos="100000">
+              <a:schemeClr val="phClr">
+                <a:shade val="20000"/>
+                <a:satMod val="255000"/>
+              </a:schemeClr>
+            </a:gs>
+          </a:gsLst>
+          <a:path path="circle">
+            <a:fillToRect l="50000" t="-80000" r="50000" b="180000"/>
+          </a:path>
+        </a:gradFill>
+        <a:gradFill rotWithShape="1">
+          <a:gsLst>
+            <a:gs pos="0">
+              <a:schemeClr val="phClr">
+                <a:tint val="80000"/>
+                <a:satMod val="300000"/>
+              </a:schemeClr>
+            </a:gs>
+            <a:gs pos="100000">
+              <a:schemeClr val="phClr">
+                <a:shade val="30000"/>
+                <a:satMod val="200000"/>
+              </a:schemeClr>
+            </a:gs>
+          </a:gsLst>
+          <a:path path="circle">
+            <a:fillToRect l="50000" t="50000" r="50000" b="50000"/>
+          </a:path>
+        </a:gradFill>
+      </a:bgFillStyleLst>
+    </a:fmtScheme>
+  </a:themeElements>
+  <a:objectDefaults/>
+  <a:extraClrSchemeLst/>
+</a:theme>
 </file>